--- a/Concepts/Concept desings.pptx
+++ b/Concepts/Concept desings.pptx
@@ -3370,8 +3370,16 @@
           <a:lstStyle/>
           <a:p>
             <a:r>
+              <a:rPr lang="en-US" dirty="0" err="1" smtClean="0"/>
+              <a:t>Turnable</a:t>
+            </a:r>
+            <a:r>
               <a:rPr lang="en-US" dirty="0" smtClean="0"/>
-              <a:t>Turn able wheel</a:t>
+              <a:t> </a:t>
+            </a:r>
+            <a:r>
+              <a:rPr lang="en-US" dirty="0" smtClean="0"/>
+              <a:t>wheel</a:t>
             </a:r>
             <a:endParaRPr lang="en-US" dirty="0"/>
           </a:p>

--- a/Concepts/Concept desings.pptx
+++ b/Concepts/Concept desings.pptx
@@ -7,6 +7,8 @@
   <p:sldIdLst>
     <p:sldId id="256" r:id="rId2"/>
     <p:sldId id="257" r:id="rId3"/>
+    <p:sldId id="259" r:id="rId4"/>
+    <p:sldId id="258" r:id="rId5"/>
   </p:sldIdLst>
   <p:sldSz cx="12192000" cy="6858000"/>
   <p:notesSz cx="6858000" cy="9144000"/>
@@ -3375,11 +3377,7 @@
             </a:r>
             <a:r>
               <a:rPr lang="en-US" dirty="0" smtClean="0"/>
-              <a:t> </a:t>
-            </a:r>
-            <a:r>
-              <a:rPr lang="en-US" dirty="0" smtClean="0"/>
-              <a:t>wheel</a:t>
+              <a:t> wheel</a:t>
             </a:r>
             <a:endParaRPr lang="en-US" dirty="0"/>
           </a:p>
@@ -4363,10 +4361,5002 @@
           </a:prstGeom>
         </p:spPr>
       </p:pic>
+      <p:graphicFrame>
+        <p:nvGraphicFramePr>
+          <p:cNvPr id="2" name="Table 1"/>
+          <p:cNvGraphicFramePr>
+            <a:graphicFrameLocks noGrp="1"/>
+          </p:cNvGraphicFramePr>
+          <p:nvPr>
+            <p:extLst>
+              <p:ext uri="{D42A27DB-BD31-4B8C-83A1-F6EECF244321}">
+                <p14:modId xmlns:p14="http://schemas.microsoft.com/office/powerpoint/2010/main" val="1532674688"/>
+              </p:ext>
+            </p:extLst>
+          </p:nvPr>
+        </p:nvGraphicFramePr>
+        <p:xfrm>
+          <a:off x="218375" y="4589190"/>
+          <a:ext cx="11080832" cy="1044012"/>
+        </p:xfrm>
+        <a:graphic>
+          <a:graphicData uri="http://schemas.openxmlformats.org/drawingml/2006/table">
+            <a:tbl>
+              <a:tblPr/>
+              <a:tblGrid>
+                <a:gridCol w="2004284">
+                  <a:extLst>
+                    <a:ext uri="{9D8B030D-6E8A-4147-A177-3AD203B41FA5}">
+                      <a16:colId xmlns:a16="http://schemas.microsoft.com/office/drawing/2014/main" val="3053383956"/>
+                    </a:ext>
+                  </a:extLst>
+                </a:gridCol>
+                <a:gridCol w="518270">
+                  <a:extLst>
+                    <a:ext uri="{9D8B030D-6E8A-4147-A177-3AD203B41FA5}">
+                      <a16:colId xmlns:a16="http://schemas.microsoft.com/office/drawing/2014/main" val="1654427297"/>
+                    </a:ext>
+                  </a:extLst>
+                </a:gridCol>
+                <a:gridCol w="518270">
+                  <a:extLst>
+                    <a:ext uri="{9D8B030D-6E8A-4147-A177-3AD203B41FA5}">
+                      <a16:colId xmlns:a16="http://schemas.microsoft.com/office/drawing/2014/main" val="1660609836"/>
+                    </a:ext>
+                  </a:extLst>
+                </a:gridCol>
+                <a:gridCol w="518270">
+                  <a:extLst>
+                    <a:ext uri="{9D8B030D-6E8A-4147-A177-3AD203B41FA5}">
+                      <a16:colId xmlns:a16="http://schemas.microsoft.com/office/drawing/2014/main" val="2261369283"/>
+                    </a:ext>
+                  </a:extLst>
+                </a:gridCol>
+                <a:gridCol w="518270">
+                  <a:extLst>
+                    <a:ext uri="{9D8B030D-6E8A-4147-A177-3AD203B41FA5}">
+                      <a16:colId xmlns:a16="http://schemas.microsoft.com/office/drawing/2014/main" val="4160078919"/>
+                    </a:ext>
+                  </a:extLst>
+                </a:gridCol>
+                <a:gridCol w="518270">
+                  <a:extLst>
+                    <a:ext uri="{9D8B030D-6E8A-4147-A177-3AD203B41FA5}">
+                      <a16:colId xmlns:a16="http://schemas.microsoft.com/office/drawing/2014/main" val="1196849942"/>
+                    </a:ext>
+                  </a:extLst>
+                </a:gridCol>
+                <a:gridCol w="518270">
+                  <a:extLst>
+                    <a:ext uri="{9D8B030D-6E8A-4147-A177-3AD203B41FA5}">
+                      <a16:colId xmlns:a16="http://schemas.microsoft.com/office/drawing/2014/main" val="3228773876"/>
+                    </a:ext>
+                  </a:extLst>
+                </a:gridCol>
+                <a:gridCol w="518270">
+                  <a:extLst>
+                    <a:ext uri="{9D8B030D-6E8A-4147-A177-3AD203B41FA5}">
+                      <a16:colId xmlns:a16="http://schemas.microsoft.com/office/drawing/2014/main" val="3419788156"/>
+                    </a:ext>
+                  </a:extLst>
+                </a:gridCol>
+                <a:gridCol w="518270">
+                  <a:extLst>
+                    <a:ext uri="{9D8B030D-6E8A-4147-A177-3AD203B41FA5}">
+                      <a16:colId xmlns:a16="http://schemas.microsoft.com/office/drawing/2014/main" val="249297881"/>
+                    </a:ext>
+                  </a:extLst>
+                </a:gridCol>
+                <a:gridCol w="518270">
+                  <a:extLst>
+                    <a:ext uri="{9D8B030D-6E8A-4147-A177-3AD203B41FA5}">
+                      <a16:colId xmlns:a16="http://schemas.microsoft.com/office/drawing/2014/main" val="203945742"/>
+                    </a:ext>
+                  </a:extLst>
+                </a:gridCol>
+                <a:gridCol w="518270">
+                  <a:extLst>
+                    <a:ext uri="{9D8B030D-6E8A-4147-A177-3AD203B41FA5}">
+                      <a16:colId xmlns:a16="http://schemas.microsoft.com/office/drawing/2014/main" val="508891625"/>
+                    </a:ext>
+                  </a:extLst>
+                </a:gridCol>
+                <a:gridCol w="518270">
+                  <a:extLst>
+                    <a:ext uri="{9D8B030D-6E8A-4147-A177-3AD203B41FA5}">
+                      <a16:colId xmlns:a16="http://schemas.microsoft.com/office/drawing/2014/main" val="3395247887"/>
+                    </a:ext>
+                  </a:extLst>
+                </a:gridCol>
+                <a:gridCol w="545549">
+                  <a:extLst>
+                    <a:ext uri="{9D8B030D-6E8A-4147-A177-3AD203B41FA5}">
+                      <a16:colId xmlns:a16="http://schemas.microsoft.com/office/drawing/2014/main" val="1528311802"/>
+                    </a:ext>
+                  </a:extLst>
+                </a:gridCol>
+                <a:gridCol w="518270">
+                  <a:extLst>
+                    <a:ext uri="{9D8B030D-6E8A-4147-A177-3AD203B41FA5}">
+                      <a16:colId xmlns:a16="http://schemas.microsoft.com/office/drawing/2014/main" val="1136884021"/>
+                    </a:ext>
+                  </a:extLst>
+                </a:gridCol>
+                <a:gridCol w="518270">
+                  <a:extLst>
+                    <a:ext uri="{9D8B030D-6E8A-4147-A177-3AD203B41FA5}">
+                      <a16:colId xmlns:a16="http://schemas.microsoft.com/office/drawing/2014/main" val="1851509949"/>
+                    </a:ext>
+                  </a:extLst>
+                </a:gridCol>
+                <a:gridCol w="518270">
+                  <a:extLst>
+                    <a:ext uri="{9D8B030D-6E8A-4147-A177-3AD203B41FA5}">
+                      <a16:colId xmlns:a16="http://schemas.microsoft.com/office/drawing/2014/main" val="2085771918"/>
+                    </a:ext>
+                  </a:extLst>
+                </a:gridCol>
+                <a:gridCol w="593284">
+                  <a:extLst>
+                    <a:ext uri="{9D8B030D-6E8A-4147-A177-3AD203B41FA5}">
+                      <a16:colId xmlns:a16="http://schemas.microsoft.com/office/drawing/2014/main" val="2214910374"/>
+                    </a:ext>
+                  </a:extLst>
+                </a:gridCol>
+                <a:gridCol w="681935">
+                  <a:extLst>
+                    <a:ext uri="{9D8B030D-6E8A-4147-A177-3AD203B41FA5}">
+                      <a16:colId xmlns:a16="http://schemas.microsoft.com/office/drawing/2014/main" val="4131867924"/>
+                    </a:ext>
+                  </a:extLst>
+                </a:gridCol>
+              </a:tblGrid>
+              <a:tr h="795847">
+                <a:tc>
+                  <a:txBody>
+                    <a:bodyPr/>
+                    <a:lstStyle/>
+                    <a:p>
+                      <a:pPr rtl="0" fontAlgn="b"/>
+                      <a:r>
+                        <a:rPr lang="en-US" sz="1300">
+                          <a:effectLst/>
+                        </a:rPr>
+                        <a:t>(feilds highlighted in blue are inputs)</a:t>
+                      </a:r>
+                    </a:p>
+                  </a:txBody>
+                  <a:tcPr marL="20030" marR="20030" marT="13353" marB="13353" anchor="b">
+                    <a:lnL w="9525" cap="flat" cmpd="sng" algn="ctr">
+                      <a:solidFill>
+                        <a:srgbClr val="CCCCCC"/>
+                      </a:solidFill>
+                      <a:prstDash val="solid"/>
+                      <a:round/>
+                      <a:headEnd type="none" w="med" len="med"/>
+                      <a:tailEnd type="none" w="med" len="med"/>
+                    </a:lnL>
+                    <a:lnR w="9525" cap="flat" cmpd="sng" algn="ctr">
+                      <a:solidFill>
+                        <a:srgbClr val="CCCCCC"/>
+                      </a:solidFill>
+                      <a:prstDash val="solid"/>
+                      <a:round/>
+                      <a:headEnd type="none" w="med" len="med"/>
+                      <a:tailEnd type="none" w="med" len="med"/>
+                    </a:lnR>
+                    <a:lnT w="9525" cap="flat" cmpd="sng" algn="ctr">
+                      <a:solidFill>
+                        <a:srgbClr val="CCCCCC"/>
+                      </a:solidFill>
+                      <a:prstDash val="solid"/>
+                      <a:round/>
+                      <a:headEnd type="none" w="med" len="med"/>
+                      <a:tailEnd type="none" w="med" len="med"/>
+                    </a:lnT>
+                    <a:lnB w="9525" cap="flat" cmpd="sng" algn="ctr">
+                      <a:solidFill>
+                        <a:srgbClr val="CCCCCC"/>
+                      </a:solidFill>
+                      <a:prstDash val="solid"/>
+                      <a:round/>
+                      <a:headEnd type="none" w="med" len="med"/>
+                      <a:tailEnd type="none" w="med" len="med"/>
+                    </a:lnB>
+                    <a:solidFill>
+                      <a:srgbClr val="C9DAF8"/>
+                    </a:solidFill>
+                  </a:tcPr>
+                </a:tc>
+                <a:tc>
+                  <a:txBody>
+                    <a:bodyPr/>
+                    <a:lstStyle/>
+                    <a:p>
+                      <a:pPr algn="ctr" rtl="0" fontAlgn="b"/>
+                      <a:r>
+                        <a:rPr lang="en-US" sz="1300">
+                          <a:effectLst/>
+                        </a:rPr>
+                        <a:t>kv</a:t>
+                      </a:r>
+                    </a:p>
+                  </a:txBody>
+                  <a:tcPr marL="20030" marR="20030" marT="13353" marB="13353" anchor="b">
+                    <a:lnL w="9525" cap="flat" cmpd="sng" algn="ctr">
+                      <a:solidFill>
+                        <a:srgbClr val="CCCCCC"/>
+                      </a:solidFill>
+                      <a:prstDash val="solid"/>
+                      <a:round/>
+                      <a:headEnd type="none" w="med" len="med"/>
+                      <a:tailEnd type="none" w="med" len="med"/>
+                    </a:lnL>
+                    <a:lnR w="9525" cap="flat" cmpd="sng" algn="ctr">
+                      <a:solidFill>
+                        <a:srgbClr val="CCCCCC"/>
+                      </a:solidFill>
+                      <a:prstDash val="solid"/>
+                      <a:round/>
+                      <a:headEnd type="none" w="med" len="med"/>
+                      <a:tailEnd type="none" w="med" len="med"/>
+                    </a:lnR>
+                    <a:lnT w="9525" cap="flat" cmpd="sng" algn="ctr">
+                      <a:solidFill>
+                        <a:srgbClr val="CCCCCC"/>
+                      </a:solidFill>
+                      <a:prstDash val="solid"/>
+                      <a:round/>
+                      <a:headEnd type="none" w="med" len="med"/>
+                      <a:tailEnd type="none" w="med" len="med"/>
+                    </a:lnT>
+                    <a:lnB w="9525" cap="flat" cmpd="sng" algn="ctr">
+                      <a:solidFill>
+                        <a:srgbClr val="CCCCCC"/>
+                      </a:solidFill>
+                      <a:prstDash val="solid"/>
+                      <a:round/>
+                      <a:headEnd type="none" w="med" len="med"/>
+                      <a:tailEnd type="none" w="med" len="med"/>
+                    </a:lnB>
+                  </a:tcPr>
+                </a:tc>
+                <a:tc>
+                  <a:txBody>
+                    <a:bodyPr/>
+                    <a:lstStyle/>
+                    <a:p>
+                      <a:pPr algn="ctr" rtl="0" fontAlgn="b"/>
+                      <a:r>
+                        <a:rPr lang="en-US" sz="1300">
+                          <a:effectLst/>
+                        </a:rPr>
+                        <a:t>Max current</a:t>
+                      </a:r>
+                    </a:p>
+                  </a:txBody>
+                  <a:tcPr marL="20030" marR="20030" marT="13353" marB="13353" anchor="b">
+                    <a:lnL w="9525" cap="flat" cmpd="sng" algn="ctr">
+                      <a:solidFill>
+                        <a:srgbClr val="CCCCCC"/>
+                      </a:solidFill>
+                      <a:prstDash val="solid"/>
+                      <a:round/>
+                      <a:headEnd type="none" w="med" len="med"/>
+                      <a:tailEnd type="none" w="med" len="med"/>
+                    </a:lnL>
+                    <a:lnR w="9525" cap="flat" cmpd="sng" algn="ctr">
+                      <a:solidFill>
+                        <a:srgbClr val="CCCCCC"/>
+                      </a:solidFill>
+                      <a:prstDash val="solid"/>
+                      <a:round/>
+                      <a:headEnd type="none" w="med" len="med"/>
+                      <a:tailEnd type="none" w="med" len="med"/>
+                    </a:lnR>
+                    <a:lnT w="9525" cap="flat" cmpd="sng" algn="ctr">
+                      <a:solidFill>
+                        <a:srgbClr val="CCCCCC"/>
+                      </a:solidFill>
+                      <a:prstDash val="solid"/>
+                      <a:round/>
+                      <a:headEnd type="none" w="med" len="med"/>
+                      <a:tailEnd type="none" w="med" len="med"/>
+                    </a:lnT>
+                    <a:lnB w="9525" cap="flat" cmpd="sng" algn="ctr">
+                      <a:solidFill>
+                        <a:srgbClr val="CCCCCC"/>
+                      </a:solidFill>
+                      <a:prstDash val="solid"/>
+                      <a:round/>
+                      <a:headEnd type="none" w="med" len="med"/>
+                      <a:tailEnd type="none" w="med" len="med"/>
+                    </a:lnB>
+                  </a:tcPr>
+                </a:tc>
+                <a:tc>
+                  <a:txBody>
+                    <a:bodyPr/>
+                    <a:lstStyle/>
+                    <a:p>
+                      <a:pPr algn="ctr" rtl="0" fontAlgn="b"/>
+                      <a:r>
+                        <a:rPr lang="en-US" sz="1300">
+                          <a:effectLst/>
+                        </a:rPr>
+                        <a:t>Max voltage</a:t>
+                      </a:r>
+                    </a:p>
+                  </a:txBody>
+                  <a:tcPr marL="20030" marR="20030" marT="13353" marB="13353" anchor="b">
+                    <a:lnL w="9525" cap="flat" cmpd="sng" algn="ctr">
+                      <a:solidFill>
+                        <a:srgbClr val="CCCCCC"/>
+                      </a:solidFill>
+                      <a:prstDash val="solid"/>
+                      <a:round/>
+                      <a:headEnd type="none" w="med" len="med"/>
+                      <a:tailEnd type="none" w="med" len="med"/>
+                    </a:lnL>
+                    <a:lnR w="9525" cap="flat" cmpd="sng" algn="ctr">
+                      <a:solidFill>
+                        <a:srgbClr val="CCCCCC"/>
+                      </a:solidFill>
+                      <a:prstDash val="solid"/>
+                      <a:round/>
+                      <a:headEnd type="none" w="med" len="med"/>
+                      <a:tailEnd type="none" w="med" len="med"/>
+                    </a:lnR>
+                    <a:lnT w="9525" cap="flat" cmpd="sng" algn="ctr">
+                      <a:solidFill>
+                        <a:srgbClr val="CCCCCC"/>
+                      </a:solidFill>
+                      <a:prstDash val="solid"/>
+                      <a:round/>
+                      <a:headEnd type="none" w="med" len="med"/>
+                      <a:tailEnd type="none" w="med" len="med"/>
+                    </a:lnT>
+                    <a:lnB w="9525" cap="flat" cmpd="sng" algn="ctr">
+                      <a:solidFill>
+                        <a:srgbClr val="CCCCCC"/>
+                      </a:solidFill>
+                      <a:prstDash val="solid"/>
+                      <a:round/>
+                      <a:headEnd type="none" w="med" len="med"/>
+                      <a:tailEnd type="none" w="med" len="med"/>
+                    </a:lnB>
+                  </a:tcPr>
+                </a:tc>
+                <a:tc>
+                  <a:txBody>
+                    <a:bodyPr/>
+                    <a:lstStyle/>
+                    <a:p>
+                      <a:pPr algn="ctr" rtl="0" fontAlgn="b"/>
+                      <a:r>
+                        <a:rPr lang="en-US" sz="1300">
+                          <a:effectLst/>
+                        </a:rPr>
+                        <a:t>price</a:t>
+                      </a:r>
+                    </a:p>
+                  </a:txBody>
+                  <a:tcPr marL="20030" marR="20030" marT="13353" marB="13353" anchor="b">
+                    <a:lnL w="9525" cap="flat" cmpd="sng" algn="ctr">
+                      <a:solidFill>
+                        <a:srgbClr val="CCCCCC"/>
+                      </a:solidFill>
+                      <a:prstDash val="solid"/>
+                      <a:round/>
+                      <a:headEnd type="none" w="med" len="med"/>
+                      <a:tailEnd type="none" w="med" len="med"/>
+                    </a:lnL>
+                    <a:lnR w="9525" cap="flat" cmpd="sng" algn="ctr">
+                      <a:solidFill>
+                        <a:srgbClr val="CCCCCC"/>
+                      </a:solidFill>
+                      <a:prstDash val="solid"/>
+                      <a:round/>
+                      <a:headEnd type="none" w="med" len="med"/>
+                      <a:tailEnd type="none" w="med" len="med"/>
+                    </a:lnR>
+                    <a:lnT w="9525" cap="flat" cmpd="sng" algn="ctr">
+                      <a:solidFill>
+                        <a:srgbClr val="CCCCCC"/>
+                      </a:solidFill>
+                      <a:prstDash val="solid"/>
+                      <a:round/>
+                      <a:headEnd type="none" w="med" len="med"/>
+                      <a:tailEnd type="none" w="med" len="med"/>
+                    </a:lnT>
+                    <a:lnB w="9525" cap="flat" cmpd="sng" algn="ctr">
+                      <a:solidFill>
+                        <a:srgbClr val="CCCCCC"/>
+                      </a:solidFill>
+                      <a:prstDash val="solid"/>
+                      <a:round/>
+                      <a:headEnd type="none" w="med" len="med"/>
+                      <a:tailEnd type="none" w="med" len="med"/>
+                    </a:lnB>
+                  </a:tcPr>
+                </a:tc>
+                <a:tc>
+                  <a:txBody>
+                    <a:bodyPr/>
+                    <a:lstStyle/>
+                    <a:p>
+                      <a:pPr algn="ctr" rtl="0" fontAlgn="b"/>
+                      <a:r>
+                        <a:rPr lang="en-US" sz="1300">
+                          <a:effectLst/>
+                        </a:rPr>
+                        <a:t>Weight</a:t>
+                      </a:r>
+                    </a:p>
+                  </a:txBody>
+                  <a:tcPr marL="20030" marR="20030" marT="13353" marB="13353" anchor="b">
+                    <a:lnL w="9525" cap="flat" cmpd="sng" algn="ctr">
+                      <a:solidFill>
+                        <a:srgbClr val="CCCCCC"/>
+                      </a:solidFill>
+                      <a:prstDash val="solid"/>
+                      <a:round/>
+                      <a:headEnd type="none" w="med" len="med"/>
+                      <a:tailEnd type="none" w="med" len="med"/>
+                    </a:lnL>
+                    <a:lnR w="9525" cap="flat" cmpd="sng" algn="ctr">
+                      <a:solidFill>
+                        <a:srgbClr val="CCCCCC"/>
+                      </a:solidFill>
+                      <a:prstDash val="solid"/>
+                      <a:round/>
+                      <a:headEnd type="none" w="med" len="med"/>
+                      <a:tailEnd type="none" w="med" len="med"/>
+                    </a:lnR>
+                    <a:lnT w="9525" cap="flat" cmpd="sng" algn="ctr">
+                      <a:solidFill>
+                        <a:srgbClr val="CCCCCC"/>
+                      </a:solidFill>
+                      <a:prstDash val="solid"/>
+                      <a:round/>
+                      <a:headEnd type="none" w="med" len="med"/>
+                      <a:tailEnd type="none" w="med" len="med"/>
+                    </a:lnT>
+                    <a:lnB w="9525" cap="flat" cmpd="sng" algn="ctr">
+                      <a:solidFill>
+                        <a:srgbClr val="CCCCCC"/>
+                      </a:solidFill>
+                      <a:prstDash val="solid"/>
+                      <a:round/>
+                      <a:headEnd type="none" w="med" len="med"/>
+                      <a:tailEnd type="none" w="med" len="med"/>
+                    </a:lnB>
+                  </a:tcPr>
+                </a:tc>
+                <a:tc>
+                  <a:txBody>
+                    <a:bodyPr/>
+                    <a:lstStyle/>
+                    <a:p>
+                      <a:pPr algn="ctr" rtl="0" fontAlgn="b"/>
+                      <a:r>
+                        <a:rPr lang="en-US" sz="1300" dirty="0">
+                          <a:effectLst/>
+                        </a:rPr>
+                        <a:t>Link</a:t>
+                      </a:r>
+                    </a:p>
+                  </a:txBody>
+                  <a:tcPr marL="20030" marR="20030" marT="13353" marB="13353" anchor="b">
+                    <a:lnL w="9525" cap="flat" cmpd="sng" algn="ctr">
+                      <a:solidFill>
+                        <a:srgbClr val="CCCCCC"/>
+                      </a:solidFill>
+                      <a:prstDash val="solid"/>
+                      <a:round/>
+                      <a:headEnd type="none" w="med" len="med"/>
+                      <a:tailEnd type="none" w="med" len="med"/>
+                    </a:lnL>
+                    <a:lnR w="9525" cap="flat" cmpd="sng" algn="ctr">
+                      <a:solidFill>
+                        <a:srgbClr val="CCCCCC"/>
+                      </a:solidFill>
+                      <a:prstDash val="solid"/>
+                      <a:round/>
+                      <a:headEnd type="none" w="med" len="med"/>
+                      <a:tailEnd type="none" w="med" len="med"/>
+                    </a:lnR>
+                    <a:lnT w="9525" cap="flat" cmpd="sng" algn="ctr">
+                      <a:solidFill>
+                        <a:srgbClr val="CCCCCC"/>
+                      </a:solidFill>
+                      <a:prstDash val="solid"/>
+                      <a:round/>
+                      <a:headEnd type="none" w="med" len="med"/>
+                      <a:tailEnd type="none" w="med" len="med"/>
+                    </a:lnT>
+                    <a:lnB w="9525" cap="flat" cmpd="sng" algn="ctr">
+                      <a:solidFill>
+                        <a:srgbClr val="CCCCCC"/>
+                      </a:solidFill>
+                      <a:prstDash val="solid"/>
+                      <a:round/>
+                      <a:headEnd type="none" w="med" len="med"/>
+                      <a:tailEnd type="none" w="med" len="med"/>
+                    </a:lnB>
+                  </a:tcPr>
+                </a:tc>
+                <a:tc>
+                  <a:txBody>
+                    <a:bodyPr/>
+                    <a:lstStyle/>
+                    <a:p>
+                      <a:pPr algn="ctr" rtl="0" fontAlgn="b"/>
+                      <a:r>
+                        <a:rPr lang="en-US" sz="1300" dirty="0">
+                          <a:effectLst/>
+                        </a:rPr>
+                        <a:t>Torque</a:t>
+                      </a:r>
+                    </a:p>
+                  </a:txBody>
+                  <a:tcPr marL="20030" marR="20030" marT="13353" marB="13353" anchor="b">
+                    <a:lnL w="9525" cap="flat" cmpd="sng" algn="ctr">
+                      <a:solidFill>
+                        <a:srgbClr val="CCCCCC"/>
+                      </a:solidFill>
+                      <a:prstDash val="solid"/>
+                      <a:round/>
+                      <a:headEnd type="none" w="med" len="med"/>
+                      <a:tailEnd type="none" w="med" len="med"/>
+                    </a:lnL>
+                    <a:lnR w="9525" cap="flat" cmpd="sng" algn="ctr">
+                      <a:solidFill>
+                        <a:srgbClr val="CCCCCC"/>
+                      </a:solidFill>
+                      <a:prstDash val="solid"/>
+                      <a:round/>
+                      <a:headEnd type="none" w="med" len="med"/>
+                      <a:tailEnd type="none" w="med" len="med"/>
+                    </a:lnR>
+                    <a:lnT w="9525" cap="flat" cmpd="sng" algn="ctr">
+                      <a:solidFill>
+                        <a:srgbClr val="CCCCCC"/>
+                      </a:solidFill>
+                      <a:prstDash val="solid"/>
+                      <a:round/>
+                      <a:headEnd type="none" w="med" len="med"/>
+                      <a:tailEnd type="none" w="med" len="med"/>
+                    </a:lnT>
+                    <a:lnB w="9525" cap="flat" cmpd="sng" algn="ctr">
+                      <a:solidFill>
+                        <a:srgbClr val="CCCCCC"/>
+                      </a:solidFill>
+                      <a:prstDash val="solid"/>
+                      <a:round/>
+                      <a:headEnd type="none" w="med" len="med"/>
+                      <a:tailEnd type="none" w="med" len="med"/>
+                    </a:lnB>
+                  </a:tcPr>
+                </a:tc>
+                <a:tc gridSpan="3">
+                  <a:txBody>
+                    <a:bodyPr/>
+                    <a:lstStyle/>
+                    <a:p>
+                      <a:pPr algn="ctr" rtl="0" fontAlgn="b"/>
+                      <a:r>
+                        <a:rPr lang="en-US" sz="1300">
+                          <a:effectLst/>
+                        </a:rPr>
+                        <a:t>No-load speed</a:t>
+                      </a:r>
+                    </a:p>
+                  </a:txBody>
+                  <a:tcPr marL="20030" marR="20030" marT="13353" marB="13353" anchor="b">
+                    <a:lnL w="9525" cap="flat" cmpd="sng" algn="ctr">
+                      <a:solidFill>
+                        <a:srgbClr val="CCCCCC"/>
+                      </a:solidFill>
+                      <a:prstDash val="solid"/>
+                      <a:round/>
+                      <a:headEnd type="none" w="med" len="med"/>
+                      <a:tailEnd type="none" w="med" len="med"/>
+                    </a:lnL>
+                    <a:lnR w="9525" cap="flat" cmpd="sng" algn="ctr">
+                      <a:solidFill>
+                        <a:srgbClr val="CCCCCC"/>
+                      </a:solidFill>
+                      <a:prstDash val="solid"/>
+                      <a:round/>
+                      <a:headEnd type="none" w="med" len="med"/>
+                      <a:tailEnd type="none" w="med" len="med"/>
+                    </a:lnR>
+                    <a:lnT w="9525" cap="flat" cmpd="sng" algn="ctr">
+                      <a:solidFill>
+                        <a:srgbClr val="CCCCCC"/>
+                      </a:solidFill>
+                      <a:prstDash val="solid"/>
+                      <a:round/>
+                      <a:headEnd type="none" w="med" len="med"/>
+                      <a:tailEnd type="none" w="med" len="med"/>
+                    </a:lnT>
+                    <a:lnB w="9525" cap="flat" cmpd="sng" algn="ctr">
+                      <a:solidFill>
+                        <a:srgbClr val="CCCCCC"/>
+                      </a:solidFill>
+                      <a:prstDash val="solid"/>
+                      <a:round/>
+                      <a:headEnd type="none" w="med" len="med"/>
+                      <a:tailEnd type="none" w="med" len="med"/>
+                    </a:lnB>
+                  </a:tcPr>
+                </a:tc>
+                <a:tc hMerge="1">
+                  <a:txBody>
+                    <a:bodyPr/>
+                    <a:lstStyle/>
+                    <a:p>
+                      <a:endParaRPr lang="en-US"/>
+                    </a:p>
+                  </a:txBody>
+                  <a:tcPr/>
+                </a:tc>
+                <a:tc hMerge="1">
+                  <a:txBody>
+                    <a:bodyPr/>
+                    <a:lstStyle/>
+                    <a:p>
+                      <a:endParaRPr lang="en-US"/>
+                    </a:p>
+                  </a:txBody>
+                  <a:tcPr/>
+                </a:tc>
+                <a:tc>
+                  <a:txBody>
+                    <a:bodyPr/>
+                    <a:lstStyle/>
+                    <a:p>
+                      <a:pPr algn="ctr" rtl="0" fontAlgn="b"/>
+                      <a:r>
+                        <a:rPr lang="en-US" sz="1300">
+                          <a:effectLst/>
+                        </a:rPr>
+                        <a:t>Force</a:t>
+                      </a:r>
+                    </a:p>
+                  </a:txBody>
+                  <a:tcPr marL="20030" marR="20030" marT="13353" marB="13353" anchor="b">
+                    <a:lnL w="9525" cap="flat" cmpd="sng" algn="ctr">
+                      <a:solidFill>
+                        <a:srgbClr val="CCCCCC"/>
+                      </a:solidFill>
+                      <a:prstDash val="solid"/>
+                      <a:round/>
+                      <a:headEnd type="none" w="med" len="med"/>
+                      <a:tailEnd type="none" w="med" len="med"/>
+                    </a:lnL>
+                    <a:lnR w="9525" cap="flat" cmpd="sng" algn="ctr">
+                      <a:solidFill>
+                        <a:srgbClr val="CCCCCC"/>
+                      </a:solidFill>
+                      <a:prstDash val="solid"/>
+                      <a:round/>
+                      <a:headEnd type="none" w="med" len="med"/>
+                      <a:tailEnd type="none" w="med" len="med"/>
+                    </a:lnR>
+                    <a:lnT w="9525" cap="flat" cmpd="sng" algn="ctr">
+                      <a:solidFill>
+                        <a:srgbClr val="CCCCCC"/>
+                      </a:solidFill>
+                      <a:prstDash val="solid"/>
+                      <a:round/>
+                      <a:headEnd type="none" w="med" len="med"/>
+                      <a:tailEnd type="none" w="med" len="med"/>
+                    </a:lnT>
+                    <a:lnB w="9525" cap="flat" cmpd="sng" algn="ctr">
+                      <a:solidFill>
+                        <a:srgbClr val="CCCCCC"/>
+                      </a:solidFill>
+                      <a:prstDash val="solid"/>
+                      <a:round/>
+                      <a:headEnd type="none" w="med" len="med"/>
+                      <a:tailEnd type="none" w="med" len="med"/>
+                    </a:lnB>
+                  </a:tcPr>
+                </a:tc>
+                <a:tc>
+                  <a:txBody>
+                    <a:bodyPr/>
+                    <a:lstStyle/>
+                    <a:p>
+                      <a:pPr algn="ctr" rtl="0" fontAlgn="b"/>
+                      <a:r>
+                        <a:rPr lang="en-US" sz="1300">
+                          <a:effectLst/>
+                        </a:rPr>
+                        <a:t>Acceleration</a:t>
+                      </a:r>
+                    </a:p>
+                  </a:txBody>
+                  <a:tcPr marL="20030" marR="20030" marT="13353" marB="13353" anchor="b">
+                    <a:lnL w="9525" cap="flat" cmpd="sng" algn="ctr">
+                      <a:solidFill>
+                        <a:srgbClr val="CCCCCC"/>
+                      </a:solidFill>
+                      <a:prstDash val="solid"/>
+                      <a:round/>
+                      <a:headEnd type="none" w="med" len="med"/>
+                      <a:tailEnd type="none" w="med" len="med"/>
+                    </a:lnL>
+                    <a:lnR w="9525" cap="flat" cmpd="sng" algn="ctr">
+                      <a:solidFill>
+                        <a:srgbClr val="CCCCCC"/>
+                      </a:solidFill>
+                      <a:prstDash val="solid"/>
+                      <a:round/>
+                      <a:headEnd type="none" w="med" len="med"/>
+                      <a:tailEnd type="none" w="med" len="med"/>
+                    </a:lnR>
+                    <a:lnT w="9525" cap="flat" cmpd="sng" algn="ctr">
+                      <a:solidFill>
+                        <a:srgbClr val="CCCCCC"/>
+                      </a:solidFill>
+                      <a:prstDash val="solid"/>
+                      <a:round/>
+                      <a:headEnd type="none" w="med" len="med"/>
+                      <a:tailEnd type="none" w="med" len="med"/>
+                    </a:lnT>
+                    <a:lnB w="9525" cap="flat" cmpd="sng" algn="ctr">
+                      <a:solidFill>
+                        <a:srgbClr val="CCCCCC"/>
+                      </a:solidFill>
+                      <a:prstDash val="solid"/>
+                      <a:round/>
+                      <a:headEnd type="none" w="med" len="med"/>
+                      <a:tailEnd type="none" w="med" len="med"/>
+                    </a:lnB>
+                  </a:tcPr>
+                </a:tc>
+                <a:tc>
+                  <a:txBody>
+                    <a:bodyPr/>
+                    <a:lstStyle/>
+                    <a:p>
+                      <a:pPr algn="ctr" rtl="0" fontAlgn="b"/>
+                      <a:r>
+                        <a:rPr lang="en-US" sz="1300">
+                          <a:effectLst/>
+                        </a:rPr>
+                        <a:t>Time to base speed</a:t>
+                      </a:r>
+                    </a:p>
+                  </a:txBody>
+                  <a:tcPr marL="20030" marR="20030" marT="13353" marB="13353" anchor="b">
+                    <a:lnL w="9525" cap="flat" cmpd="sng" algn="ctr">
+                      <a:solidFill>
+                        <a:srgbClr val="CCCCCC"/>
+                      </a:solidFill>
+                      <a:prstDash val="solid"/>
+                      <a:round/>
+                      <a:headEnd type="none" w="med" len="med"/>
+                      <a:tailEnd type="none" w="med" len="med"/>
+                    </a:lnL>
+                    <a:lnR w="9525" cap="flat" cmpd="sng" algn="ctr">
+                      <a:solidFill>
+                        <a:srgbClr val="CCCCCC"/>
+                      </a:solidFill>
+                      <a:prstDash val="solid"/>
+                      <a:round/>
+                      <a:headEnd type="none" w="med" len="med"/>
+                      <a:tailEnd type="none" w="med" len="med"/>
+                    </a:lnR>
+                    <a:lnT w="9525" cap="flat" cmpd="sng" algn="ctr">
+                      <a:solidFill>
+                        <a:srgbClr val="CCCCCC"/>
+                      </a:solidFill>
+                      <a:prstDash val="solid"/>
+                      <a:round/>
+                      <a:headEnd type="none" w="med" len="med"/>
+                      <a:tailEnd type="none" w="med" len="med"/>
+                    </a:lnT>
+                    <a:lnB w="9525" cap="flat" cmpd="sng" algn="ctr">
+                      <a:solidFill>
+                        <a:srgbClr val="CCCCCC"/>
+                      </a:solidFill>
+                      <a:prstDash val="solid"/>
+                      <a:round/>
+                      <a:headEnd type="none" w="med" len="med"/>
+                      <a:tailEnd type="none" w="med" len="med"/>
+                    </a:lnB>
+                  </a:tcPr>
+                </a:tc>
+                <a:tc>
+                  <a:txBody>
+                    <a:bodyPr/>
+                    <a:lstStyle/>
+                    <a:p>
+                      <a:pPr algn="ctr" rtl="0" fontAlgn="b"/>
+                      <a:r>
+                        <a:rPr lang="en-US" sz="1300">
+                          <a:effectLst/>
+                        </a:rPr>
+                        <a:t>distance to base speed</a:t>
+                      </a:r>
+                    </a:p>
+                  </a:txBody>
+                  <a:tcPr marL="20030" marR="20030" marT="13353" marB="13353" anchor="b">
+                    <a:lnL w="9525" cap="flat" cmpd="sng" algn="ctr">
+                      <a:solidFill>
+                        <a:srgbClr val="CCCCCC"/>
+                      </a:solidFill>
+                      <a:prstDash val="solid"/>
+                      <a:round/>
+                      <a:headEnd type="none" w="med" len="med"/>
+                      <a:tailEnd type="none" w="med" len="med"/>
+                    </a:lnL>
+                    <a:lnR w="9525" cap="flat" cmpd="sng" algn="ctr">
+                      <a:solidFill>
+                        <a:srgbClr val="CCCCCC"/>
+                      </a:solidFill>
+                      <a:prstDash val="solid"/>
+                      <a:round/>
+                      <a:headEnd type="none" w="med" len="med"/>
+                      <a:tailEnd type="none" w="med" len="med"/>
+                    </a:lnR>
+                    <a:lnT w="9525" cap="flat" cmpd="sng" algn="ctr">
+                      <a:solidFill>
+                        <a:srgbClr val="CCCCCC"/>
+                      </a:solidFill>
+                      <a:prstDash val="solid"/>
+                      <a:round/>
+                      <a:headEnd type="none" w="med" len="med"/>
+                      <a:tailEnd type="none" w="med" len="med"/>
+                    </a:lnT>
+                    <a:lnB w="9525" cap="flat" cmpd="sng" algn="ctr">
+                      <a:solidFill>
+                        <a:srgbClr val="CCCCCC"/>
+                      </a:solidFill>
+                      <a:prstDash val="solid"/>
+                      <a:round/>
+                      <a:headEnd type="none" w="med" len="med"/>
+                      <a:tailEnd type="none" w="med" len="med"/>
+                    </a:lnB>
+                  </a:tcPr>
+                </a:tc>
+                <a:tc>
+                  <a:txBody>
+                    <a:bodyPr/>
+                    <a:lstStyle/>
+                    <a:p>
+                      <a:pPr algn="ctr" rtl="0" fontAlgn="b"/>
+                      <a:r>
+                        <a:rPr lang="en-US" sz="1300">
+                          <a:effectLst/>
+                        </a:rPr>
+                        <a:t>Power at base speed</a:t>
+                      </a:r>
+                    </a:p>
+                  </a:txBody>
+                  <a:tcPr marL="20030" marR="20030" marT="13353" marB="13353" anchor="b">
+                    <a:lnL w="9525" cap="flat" cmpd="sng" algn="ctr">
+                      <a:solidFill>
+                        <a:srgbClr val="CCCCCC"/>
+                      </a:solidFill>
+                      <a:prstDash val="solid"/>
+                      <a:round/>
+                      <a:headEnd type="none" w="med" len="med"/>
+                      <a:tailEnd type="none" w="med" len="med"/>
+                    </a:lnL>
+                    <a:lnR w="9525" cap="flat" cmpd="sng" algn="ctr">
+                      <a:solidFill>
+                        <a:srgbClr val="CCCCCC"/>
+                      </a:solidFill>
+                      <a:prstDash val="solid"/>
+                      <a:round/>
+                      <a:headEnd type="none" w="med" len="med"/>
+                      <a:tailEnd type="none" w="med" len="med"/>
+                    </a:lnR>
+                    <a:lnT w="9525" cap="flat" cmpd="sng" algn="ctr">
+                      <a:solidFill>
+                        <a:srgbClr val="CCCCCC"/>
+                      </a:solidFill>
+                      <a:prstDash val="solid"/>
+                      <a:round/>
+                      <a:headEnd type="none" w="med" len="med"/>
+                      <a:tailEnd type="none" w="med" len="med"/>
+                    </a:lnT>
+                    <a:lnB w="9525" cap="flat" cmpd="sng" algn="ctr">
+                      <a:solidFill>
+                        <a:srgbClr val="CCCCCC"/>
+                      </a:solidFill>
+                      <a:prstDash val="solid"/>
+                      <a:round/>
+                      <a:headEnd type="none" w="med" len="med"/>
+                      <a:tailEnd type="none" w="med" len="med"/>
+                    </a:lnB>
+                  </a:tcPr>
+                </a:tc>
+                <a:tc>
+                  <a:txBody>
+                    <a:bodyPr/>
+                    <a:lstStyle/>
+                    <a:p>
+                      <a:pPr algn="ctr" rtl="0" fontAlgn="b"/>
+                      <a:r>
+                        <a:rPr lang="en-US" sz="1300">
+                          <a:effectLst/>
+                        </a:rPr>
+                        <a:t>Base speed kinetic energy</a:t>
+                      </a:r>
+                    </a:p>
+                  </a:txBody>
+                  <a:tcPr marL="20030" marR="20030" marT="13353" marB="13353" anchor="b">
+                    <a:lnL w="9525" cap="flat" cmpd="sng" algn="ctr">
+                      <a:solidFill>
+                        <a:srgbClr val="CCCCCC"/>
+                      </a:solidFill>
+                      <a:prstDash val="solid"/>
+                      <a:round/>
+                      <a:headEnd type="none" w="med" len="med"/>
+                      <a:tailEnd type="none" w="med" len="med"/>
+                    </a:lnL>
+                    <a:lnR w="9525" cap="flat" cmpd="sng" algn="ctr">
+                      <a:solidFill>
+                        <a:srgbClr val="CCCCCC"/>
+                      </a:solidFill>
+                      <a:prstDash val="solid"/>
+                      <a:round/>
+                      <a:headEnd type="none" w="med" len="med"/>
+                      <a:tailEnd type="none" w="med" len="med"/>
+                    </a:lnR>
+                    <a:lnT w="9525" cap="flat" cmpd="sng" algn="ctr">
+                      <a:solidFill>
+                        <a:srgbClr val="CCCCCC"/>
+                      </a:solidFill>
+                      <a:prstDash val="solid"/>
+                      <a:round/>
+                      <a:headEnd type="none" w="med" len="med"/>
+                      <a:tailEnd type="none" w="med" len="med"/>
+                    </a:lnT>
+                    <a:lnB w="9525" cap="flat" cmpd="sng" algn="ctr">
+                      <a:solidFill>
+                        <a:srgbClr val="CCCCCC"/>
+                      </a:solidFill>
+                      <a:prstDash val="solid"/>
+                      <a:round/>
+                      <a:headEnd type="none" w="med" len="med"/>
+                      <a:tailEnd type="none" w="med" len="med"/>
+                    </a:lnB>
+                  </a:tcPr>
+                </a:tc>
+                <a:tc>
+                  <a:txBody>
+                    <a:bodyPr/>
+                    <a:lstStyle/>
+                    <a:p>
+                      <a:pPr algn="ctr" rtl="0" fontAlgn="b"/>
+                      <a:r>
+                        <a:rPr lang="en-US" sz="1300">
+                          <a:effectLst/>
+                        </a:rPr>
+                        <a:t>Encoder freq. (base speed)</a:t>
+                      </a:r>
+                    </a:p>
+                  </a:txBody>
+                  <a:tcPr marL="20030" marR="20030" marT="13353" marB="13353" anchor="b">
+                    <a:lnL w="9525" cap="flat" cmpd="sng" algn="ctr">
+                      <a:solidFill>
+                        <a:srgbClr val="CCCCCC"/>
+                      </a:solidFill>
+                      <a:prstDash val="solid"/>
+                      <a:round/>
+                      <a:headEnd type="none" w="med" len="med"/>
+                      <a:tailEnd type="none" w="med" len="med"/>
+                    </a:lnL>
+                    <a:lnR w="9525" cap="flat" cmpd="sng" algn="ctr">
+                      <a:solidFill>
+                        <a:srgbClr val="CCCCCC"/>
+                      </a:solidFill>
+                      <a:prstDash val="solid"/>
+                      <a:round/>
+                      <a:headEnd type="none" w="med" len="med"/>
+                      <a:tailEnd type="none" w="med" len="med"/>
+                    </a:lnR>
+                    <a:lnT w="9525" cap="flat" cmpd="sng" algn="ctr">
+                      <a:solidFill>
+                        <a:srgbClr val="CCCCCC"/>
+                      </a:solidFill>
+                      <a:prstDash val="solid"/>
+                      <a:round/>
+                      <a:headEnd type="none" w="med" len="med"/>
+                      <a:tailEnd type="none" w="med" len="med"/>
+                    </a:lnT>
+                    <a:lnB w="9525" cap="flat" cmpd="sng" algn="ctr">
+                      <a:solidFill>
+                        <a:srgbClr val="CCCCCC"/>
+                      </a:solidFill>
+                      <a:prstDash val="solid"/>
+                      <a:round/>
+                      <a:headEnd type="none" w="med" len="med"/>
+                      <a:tailEnd type="none" w="med" len="med"/>
+                    </a:lnB>
+                  </a:tcPr>
+                </a:tc>
+                <a:extLst>
+                  <a:ext uri="{0D108BD9-81ED-4DB2-BD59-A6C34878D82A}">
+                    <a16:rowId xmlns:a16="http://schemas.microsoft.com/office/drawing/2014/main" val="3188714126"/>
+                  </a:ext>
+                </a:extLst>
+              </a:tr>
+              <a:tr h="218992">
+                <a:tc>
+                  <a:txBody>
+                    <a:bodyPr/>
+                    <a:lstStyle/>
+                    <a:p>
+                      <a:pPr rtl="0" fontAlgn="b"/>
+                      <a:endParaRPr lang="en-US" sz="1300">
+                        <a:effectLst/>
+                      </a:endParaRPr>
+                    </a:p>
+                  </a:txBody>
+                  <a:tcPr marL="20030" marR="20030" marT="13353" marB="13353" anchor="b">
+                    <a:lnL w="9525" cap="flat" cmpd="sng" algn="ctr">
+                      <a:solidFill>
+                        <a:srgbClr val="CCCCCC"/>
+                      </a:solidFill>
+                      <a:prstDash val="solid"/>
+                      <a:round/>
+                      <a:headEnd type="none" w="med" len="med"/>
+                      <a:tailEnd type="none" w="med" len="med"/>
+                    </a:lnL>
+                    <a:lnR w="9525" cap="flat" cmpd="sng" algn="ctr">
+                      <a:solidFill>
+                        <a:srgbClr val="CCCCCC"/>
+                      </a:solidFill>
+                      <a:prstDash val="solid"/>
+                      <a:round/>
+                      <a:headEnd type="none" w="med" len="med"/>
+                      <a:tailEnd type="none" w="med" len="med"/>
+                    </a:lnR>
+                    <a:lnT w="9525" cap="flat" cmpd="sng" algn="ctr">
+                      <a:solidFill>
+                        <a:srgbClr val="CCCCCC"/>
+                      </a:solidFill>
+                      <a:prstDash val="solid"/>
+                      <a:round/>
+                      <a:headEnd type="none" w="med" len="med"/>
+                      <a:tailEnd type="none" w="med" len="med"/>
+                    </a:lnT>
+                    <a:lnB w="9525" cap="flat" cmpd="sng" algn="ctr">
+                      <a:solidFill>
+                        <a:srgbClr val="CCCCCC"/>
+                      </a:solidFill>
+                      <a:prstDash val="solid"/>
+                      <a:round/>
+                      <a:headEnd type="none" w="med" len="med"/>
+                      <a:tailEnd type="none" w="med" len="med"/>
+                    </a:lnB>
+                  </a:tcPr>
+                </a:tc>
+                <a:tc>
+                  <a:txBody>
+                    <a:bodyPr/>
+                    <a:lstStyle/>
+                    <a:p>
+                      <a:pPr algn="ctr" rtl="0" fontAlgn="b"/>
+                      <a:r>
+                        <a:rPr lang="en-US" sz="1300">
+                          <a:effectLst/>
+                        </a:rPr>
+                        <a:t>rpm/v</a:t>
+                      </a:r>
+                    </a:p>
+                  </a:txBody>
+                  <a:tcPr marL="20030" marR="20030" marT="13353" marB="13353" anchor="b">
+                    <a:lnL w="9525" cap="flat" cmpd="sng" algn="ctr">
+                      <a:solidFill>
+                        <a:srgbClr val="CCCCCC"/>
+                      </a:solidFill>
+                      <a:prstDash val="solid"/>
+                      <a:round/>
+                      <a:headEnd type="none" w="med" len="med"/>
+                      <a:tailEnd type="none" w="med" len="med"/>
+                    </a:lnL>
+                    <a:lnR w="9525" cap="flat" cmpd="sng" algn="ctr">
+                      <a:solidFill>
+                        <a:srgbClr val="CCCCCC"/>
+                      </a:solidFill>
+                      <a:prstDash val="solid"/>
+                      <a:round/>
+                      <a:headEnd type="none" w="med" len="med"/>
+                      <a:tailEnd type="none" w="med" len="med"/>
+                    </a:lnR>
+                    <a:lnT w="9525" cap="flat" cmpd="sng" algn="ctr">
+                      <a:solidFill>
+                        <a:srgbClr val="CCCCCC"/>
+                      </a:solidFill>
+                      <a:prstDash val="solid"/>
+                      <a:round/>
+                      <a:headEnd type="none" w="med" len="med"/>
+                      <a:tailEnd type="none" w="med" len="med"/>
+                    </a:lnT>
+                    <a:lnB w="9525" cap="flat" cmpd="sng" algn="ctr">
+                      <a:solidFill>
+                        <a:srgbClr val="CCCCCC"/>
+                      </a:solidFill>
+                      <a:prstDash val="solid"/>
+                      <a:round/>
+                      <a:headEnd type="none" w="med" len="med"/>
+                      <a:tailEnd type="none" w="med" len="med"/>
+                    </a:lnB>
+                  </a:tcPr>
+                </a:tc>
+                <a:tc>
+                  <a:txBody>
+                    <a:bodyPr/>
+                    <a:lstStyle/>
+                    <a:p>
+                      <a:pPr algn="ctr" rtl="0" fontAlgn="b"/>
+                      <a:r>
+                        <a:rPr lang="en-US" sz="1300">
+                          <a:effectLst/>
+                        </a:rPr>
+                        <a:t>A</a:t>
+                      </a:r>
+                    </a:p>
+                  </a:txBody>
+                  <a:tcPr marL="20030" marR="20030" marT="13353" marB="13353" anchor="b">
+                    <a:lnL w="9525" cap="flat" cmpd="sng" algn="ctr">
+                      <a:solidFill>
+                        <a:srgbClr val="CCCCCC"/>
+                      </a:solidFill>
+                      <a:prstDash val="solid"/>
+                      <a:round/>
+                      <a:headEnd type="none" w="med" len="med"/>
+                      <a:tailEnd type="none" w="med" len="med"/>
+                    </a:lnL>
+                    <a:lnR w="9525" cap="flat" cmpd="sng" algn="ctr">
+                      <a:solidFill>
+                        <a:srgbClr val="CCCCCC"/>
+                      </a:solidFill>
+                      <a:prstDash val="solid"/>
+                      <a:round/>
+                      <a:headEnd type="none" w="med" len="med"/>
+                      <a:tailEnd type="none" w="med" len="med"/>
+                    </a:lnR>
+                    <a:lnT w="9525" cap="flat" cmpd="sng" algn="ctr">
+                      <a:solidFill>
+                        <a:srgbClr val="CCCCCC"/>
+                      </a:solidFill>
+                      <a:prstDash val="solid"/>
+                      <a:round/>
+                      <a:headEnd type="none" w="med" len="med"/>
+                      <a:tailEnd type="none" w="med" len="med"/>
+                    </a:lnT>
+                    <a:lnB w="9525" cap="flat" cmpd="sng" algn="ctr">
+                      <a:solidFill>
+                        <a:srgbClr val="CCCCCC"/>
+                      </a:solidFill>
+                      <a:prstDash val="solid"/>
+                      <a:round/>
+                      <a:headEnd type="none" w="med" len="med"/>
+                      <a:tailEnd type="none" w="med" len="med"/>
+                    </a:lnB>
+                  </a:tcPr>
+                </a:tc>
+                <a:tc>
+                  <a:txBody>
+                    <a:bodyPr/>
+                    <a:lstStyle/>
+                    <a:p>
+                      <a:pPr algn="ctr" rtl="0" fontAlgn="b"/>
+                      <a:r>
+                        <a:rPr lang="en-US" sz="1300">
+                          <a:effectLst/>
+                        </a:rPr>
+                        <a:t>V</a:t>
+                      </a:r>
+                    </a:p>
+                  </a:txBody>
+                  <a:tcPr marL="20030" marR="20030" marT="13353" marB="13353" anchor="b">
+                    <a:lnL w="9525" cap="flat" cmpd="sng" algn="ctr">
+                      <a:solidFill>
+                        <a:srgbClr val="CCCCCC"/>
+                      </a:solidFill>
+                      <a:prstDash val="solid"/>
+                      <a:round/>
+                      <a:headEnd type="none" w="med" len="med"/>
+                      <a:tailEnd type="none" w="med" len="med"/>
+                    </a:lnL>
+                    <a:lnR w="9525" cap="flat" cmpd="sng" algn="ctr">
+                      <a:solidFill>
+                        <a:srgbClr val="CCCCCC"/>
+                      </a:solidFill>
+                      <a:prstDash val="solid"/>
+                      <a:round/>
+                      <a:headEnd type="none" w="med" len="med"/>
+                      <a:tailEnd type="none" w="med" len="med"/>
+                    </a:lnR>
+                    <a:lnT w="9525" cap="flat" cmpd="sng" algn="ctr">
+                      <a:solidFill>
+                        <a:srgbClr val="CCCCCC"/>
+                      </a:solidFill>
+                      <a:prstDash val="solid"/>
+                      <a:round/>
+                      <a:headEnd type="none" w="med" len="med"/>
+                      <a:tailEnd type="none" w="med" len="med"/>
+                    </a:lnT>
+                    <a:lnB w="9525" cap="flat" cmpd="sng" algn="ctr">
+                      <a:solidFill>
+                        <a:srgbClr val="CCCCCC"/>
+                      </a:solidFill>
+                      <a:prstDash val="solid"/>
+                      <a:round/>
+                      <a:headEnd type="none" w="med" len="med"/>
+                      <a:tailEnd type="none" w="med" len="med"/>
+                    </a:lnB>
+                  </a:tcPr>
+                </a:tc>
+                <a:tc>
+                  <a:txBody>
+                    <a:bodyPr/>
+                    <a:lstStyle/>
+                    <a:p>
+                      <a:pPr algn="ctr" rtl="0" fontAlgn="b"/>
+                      <a:r>
+                        <a:rPr lang="en-US" sz="1300">
+                          <a:effectLst/>
+                        </a:rPr>
+                        <a:t>USD</a:t>
+                      </a:r>
+                    </a:p>
+                  </a:txBody>
+                  <a:tcPr marL="20030" marR="20030" marT="13353" marB="13353" anchor="b">
+                    <a:lnL w="9525" cap="flat" cmpd="sng" algn="ctr">
+                      <a:solidFill>
+                        <a:srgbClr val="CCCCCC"/>
+                      </a:solidFill>
+                      <a:prstDash val="solid"/>
+                      <a:round/>
+                      <a:headEnd type="none" w="med" len="med"/>
+                      <a:tailEnd type="none" w="med" len="med"/>
+                    </a:lnL>
+                    <a:lnR w="9525" cap="flat" cmpd="sng" algn="ctr">
+                      <a:solidFill>
+                        <a:srgbClr val="CCCCCC"/>
+                      </a:solidFill>
+                      <a:prstDash val="solid"/>
+                      <a:round/>
+                      <a:headEnd type="none" w="med" len="med"/>
+                      <a:tailEnd type="none" w="med" len="med"/>
+                    </a:lnR>
+                    <a:lnT w="9525" cap="flat" cmpd="sng" algn="ctr">
+                      <a:solidFill>
+                        <a:srgbClr val="CCCCCC"/>
+                      </a:solidFill>
+                      <a:prstDash val="solid"/>
+                      <a:round/>
+                      <a:headEnd type="none" w="med" len="med"/>
+                      <a:tailEnd type="none" w="med" len="med"/>
+                    </a:lnT>
+                    <a:lnB w="9525" cap="flat" cmpd="sng" algn="ctr">
+                      <a:solidFill>
+                        <a:srgbClr val="CCCCCC"/>
+                      </a:solidFill>
+                      <a:prstDash val="solid"/>
+                      <a:round/>
+                      <a:headEnd type="none" w="med" len="med"/>
+                      <a:tailEnd type="none" w="med" len="med"/>
+                    </a:lnB>
+                  </a:tcPr>
+                </a:tc>
+                <a:tc>
+                  <a:txBody>
+                    <a:bodyPr/>
+                    <a:lstStyle/>
+                    <a:p>
+                      <a:pPr algn="ctr" rtl="0" fontAlgn="b"/>
+                      <a:r>
+                        <a:rPr lang="en-US" sz="1300">
+                          <a:effectLst/>
+                        </a:rPr>
+                        <a:t>g</a:t>
+                      </a:r>
+                    </a:p>
+                  </a:txBody>
+                  <a:tcPr marL="20030" marR="20030" marT="13353" marB="13353" anchor="b">
+                    <a:lnL w="9525" cap="flat" cmpd="sng" algn="ctr">
+                      <a:solidFill>
+                        <a:srgbClr val="CCCCCC"/>
+                      </a:solidFill>
+                      <a:prstDash val="solid"/>
+                      <a:round/>
+                      <a:headEnd type="none" w="med" len="med"/>
+                      <a:tailEnd type="none" w="med" len="med"/>
+                    </a:lnL>
+                    <a:lnR w="9525" cap="flat" cmpd="sng" algn="ctr">
+                      <a:solidFill>
+                        <a:srgbClr val="CCCCCC"/>
+                      </a:solidFill>
+                      <a:prstDash val="solid"/>
+                      <a:round/>
+                      <a:headEnd type="none" w="med" len="med"/>
+                      <a:tailEnd type="none" w="med" len="med"/>
+                    </a:lnR>
+                    <a:lnT w="9525" cap="flat" cmpd="sng" algn="ctr">
+                      <a:solidFill>
+                        <a:srgbClr val="CCCCCC"/>
+                      </a:solidFill>
+                      <a:prstDash val="solid"/>
+                      <a:round/>
+                      <a:headEnd type="none" w="med" len="med"/>
+                      <a:tailEnd type="none" w="med" len="med"/>
+                    </a:lnT>
+                    <a:lnB w="9525" cap="flat" cmpd="sng" algn="ctr">
+                      <a:solidFill>
+                        <a:srgbClr val="CCCCCC"/>
+                      </a:solidFill>
+                      <a:prstDash val="solid"/>
+                      <a:round/>
+                      <a:headEnd type="none" w="med" len="med"/>
+                      <a:tailEnd type="none" w="med" len="med"/>
+                    </a:lnB>
+                  </a:tcPr>
+                </a:tc>
+                <a:tc>
+                  <a:txBody>
+                    <a:bodyPr/>
+                    <a:lstStyle/>
+                    <a:p>
+                      <a:pPr algn="ctr" rtl="0" fontAlgn="b"/>
+                      <a:endParaRPr lang="en-US" sz="1300" dirty="0">
+                        <a:effectLst/>
+                      </a:endParaRPr>
+                    </a:p>
+                  </a:txBody>
+                  <a:tcPr marL="20030" marR="20030" marT="13353" marB="13353" anchor="b">
+                    <a:lnL w="9525" cap="flat" cmpd="sng" algn="ctr">
+                      <a:solidFill>
+                        <a:srgbClr val="CCCCCC"/>
+                      </a:solidFill>
+                      <a:prstDash val="solid"/>
+                      <a:round/>
+                      <a:headEnd type="none" w="med" len="med"/>
+                      <a:tailEnd type="none" w="med" len="med"/>
+                    </a:lnL>
+                    <a:lnR w="9525" cap="flat" cmpd="sng" algn="ctr">
+                      <a:solidFill>
+                        <a:srgbClr val="CCCCCC"/>
+                      </a:solidFill>
+                      <a:prstDash val="solid"/>
+                      <a:round/>
+                      <a:headEnd type="none" w="med" len="med"/>
+                      <a:tailEnd type="none" w="med" len="med"/>
+                    </a:lnR>
+                    <a:lnT w="9525" cap="flat" cmpd="sng" algn="ctr">
+                      <a:solidFill>
+                        <a:srgbClr val="CCCCCC"/>
+                      </a:solidFill>
+                      <a:prstDash val="solid"/>
+                      <a:round/>
+                      <a:headEnd type="none" w="med" len="med"/>
+                      <a:tailEnd type="none" w="med" len="med"/>
+                    </a:lnT>
+                    <a:lnB w="9525" cap="flat" cmpd="sng" algn="ctr">
+                      <a:solidFill>
+                        <a:srgbClr val="CCCCCC"/>
+                      </a:solidFill>
+                      <a:prstDash val="solid"/>
+                      <a:round/>
+                      <a:headEnd type="none" w="med" len="med"/>
+                      <a:tailEnd type="none" w="med" len="med"/>
+                    </a:lnB>
+                  </a:tcPr>
+                </a:tc>
+                <a:tc>
+                  <a:txBody>
+                    <a:bodyPr/>
+                    <a:lstStyle/>
+                    <a:p>
+                      <a:pPr algn="ctr" rtl="0" fontAlgn="b"/>
+                      <a:r>
+                        <a:rPr lang="en-US" sz="1300">
+                          <a:effectLst/>
+                        </a:rPr>
+                        <a:t>Nm</a:t>
+                      </a:r>
+                    </a:p>
+                  </a:txBody>
+                  <a:tcPr marL="20030" marR="20030" marT="13353" marB="13353" anchor="b">
+                    <a:lnL w="9525" cap="flat" cmpd="sng" algn="ctr">
+                      <a:solidFill>
+                        <a:srgbClr val="CCCCCC"/>
+                      </a:solidFill>
+                      <a:prstDash val="solid"/>
+                      <a:round/>
+                      <a:headEnd type="none" w="med" len="med"/>
+                      <a:tailEnd type="none" w="med" len="med"/>
+                    </a:lnL>
+                    <a:lnR w="9525" cap="flat" cmpd="sng" algn="ctr">
+                      <a:solidFill>
+                        <a:srgbClr val="CCCCCC"/>
+                      </a:solidFill>
+                      <a:prstDash val="solid"/>
+                      <a:round/>
+                      <a:headEnd type="none" w="med" len="med"/>
+                      <a:tailEnd type="none" w="med" len="med"/>
+                    </a:lnR>
+                    <a:lnT w="9525" cap="flat" cmpd="sng" algn="ctr">
+                      <a:solidFill>
+                        <a:srgbClr val="CCCCCC"/>
+                      </a:solidFill>
+                      <a:prstDash val="solid"/>
+                      <a:round/>
+                      <a:headEnd type="none" w="med" len="med"/>
+                      <a:tailEnd type="none" w="med" len="med"/>
+                    </a:lnT>
+                    <a:lnB w="9525" cap="flat" cmpd="sng" algn="ctr">
+                      <a:solidFill>
+                        <a:srgbClr val="CCCCCC"/>
+                      </a:solidFill>
+                      <a:prstDash val="solid"/>
+                      <a:round/>
+                      <a:headEnd type="none" w="med" len="med"/>
+                      <a:tailEnd type="none" w="med" len="med"/>
+                    </a:lnB>
+                  </a:tcPr>
+                </a:tc>
+                <a:tc>
+                  <a:txBody>
+                    <a:bodyPr/>
+                    <a:lstStyle/>
+                    <a:p>
+                      <a:pPr algn="ctr" rtl="0" fontAlgn="b"/>
+                      <a:r>
+                        <a:rPr lang="en-US" sz="1300">
+                          <a:effectLst/>
+                        </a:rPr>
+                        <a:t>rpm</a:t>
+                      </a:r>
+                    </a:p>
+                  </a:txBody>
+                  <a:tcPr marL="20030" marR="20030" marT="13353" marB="13353" anchor="b">
+                    <a:lnL w="9525" cap="flat" cmpd="sng" algn="ctr">
+                      <a:solidFill>
+                        <a:srgbClr val="CCCCCC"/>
+                      </a:solidFill>
+                      <a:prstDash val="solid"/>
+                      <a:round/>
+                      <a:headEnd type="none" w="med" len="med"/>
+                      <a:tailEnd type="none" w="med" len="med"/>
+                    </a:lnL>
+                    <a:lnR w="9525" cap="flat" cmpd="sng" algn="ctr">
+                      <a:solidFill>
+                        <a:srgbClr val="CCCCCC"/>
+                      </a:solidFill>
+                      <a:prstDash val="solid"/>
+                      <a:round/>
+                      <a:headEnd type="none" w="med" len="med"/>
+                      <a:tailEnd type="none" w="med" len="med"/>
+                    </a:lnR>
+                    <a:lnT w="9525" cap="flat" cmpd="sng" algn="ctr">
+                      <a:solidFill>
+                        <a:srgbClr val="CCCCCC"/>
+                      </a:solidFill>
+                      <a:prstDash val="solid"/>
+                      <a:round/>
+                      <a:headEnd type="none" w="med" len="med"/>
+                      <a:tailEnd type="none" w="med" len="med"/>
+                    </a:lnT>
+                    <a:lnB w="9525" cap="flat" cmpd="sng" algn="ctr">
+                      <a:solidFill>
+                        <a:srgbClr val="CCCCCC"/>
+                      </a:solidFill>
+                      <a:prstDash val="solid"/>
+                      <a:round/>
+                      <a:headEnd type="none" w="med" len="med"/>
+                      <a:tailEnd type="none" w="med" len="med"/>
+                    </a:lnB>
+                  </a:tcPr>
+                </a:tc>
+                <a:tc>
+                  <a:txBody>
+                    <a:bodyPr/>
+                    <a:lstStyle/>
+                    <a:p>
+                      <a:pPr algn="ctr" rtl="0" fontAlgn="b"/>
+                      <a:r>
+                        <a:rPr lang="en-US" sz="1300">
+                          <a:effectLst/>
+                        </a:rPr>
+                        <a:t>rad/s</a:t>
+                      </a:r>
+                    </a:p>
+                  </a:txBody>
+                  <a:tcPr marL="20030" marR="20030" marT="13353" marB="13353" anchor="b">
+                    <a:lnL w="9525" cap="flat" cmpd="sng" algn="ctr">
+                      <a:solidFill>
+                        <a:srgbClr val="CCCCCC"/>
+                      </a:solidFill>
+                      <a:prstDash val="solid"/>
+                      <a:round/>
+                      <a:headEnd type="none" w="med" len="med"/>
+                      <a:tailEnd type="none" w="med" len="med"/>
+                    </a:lnL>
+                    <a:lnR w="9525" cap="flat" cmpd="sng" algn="ctr">
+                      <a:solidFill>
+                        <a:srgbClr val="CCCCCC"/>
+                      </a:solidFill>
+                      <a:prstDash val="solid"/>
+                      <a:round/>
+                      <a:headEnd type="none" w="med" len="med"/>
+                      <a:tailEnd type="none" w="med" len="med"/>
+                    </a:lnR>
+                    <a:lnT w="9525" cap="flat" cmpd="sng" algn="ctr">
+                      <a:solidFill>
+                        <a:srgbClr val="CCCCCC"/>
+                      </a:solidFill>
+                      <a:prstDash val="solid"/>
+                      <a:round/>
+                      <a:headEnd type="none" w="med" len="med"/>
+                      <a:tailEnd type="none" w="med" len="med"/>
+                    </a:lnT>
+                    <a:lnB w="9525" cap="flat" cmpd="sng" algn="ctr">
+                      <a:solidFill>
+                        <a:srgbClr val="CCCCCC"/>
+                      </a:solidFill>
+                      <a:prstDash val="solid"/>
+                      <a:round/>
+                      <a:headEnd type="none" w="med" len="med"/>
+                      <a:tailEnd type="none" w="med" len="med"/>
+                    </a:lnB>
+                  </a:tcPr>
+                </a:tc>
+                <a:tc>
+                  <a:txBody>
+                    <a:bodyPr/>
+                    <a:lstStyle/>
+                    <a:p>
+                      <a:pPr algn="ctr" rtl="0" fontAlgn="b"/>
+                      <a:r>
+                        <a:rPr lang="en-US" sz="1300">
+                          <a:effectLst/>
+                        </a:rPr>
+                        <a:t>m/s</a:t>
+                      </a:r>
+                    </a:p>
+                  </a:txBody>
+                  <a:tcPr marL="20030" marR="20030" marT="13353" marB="13353" anchor="b">
+                    <a:lnL w="9525" cap="flat" cmpd="sng" algn="ctr">
+                      <a:solidFill>
+                        <a:srgbClr val="CCCCCC"/>
+                      </a:solidFill>
+                      <a:prstDash val="solid"/>
+                      <a:round/>
+                      <a:headEnd type="none" w="med" len="med"/>
+                      <a:tailEnd type="none" w="med" len="med"/>
+                    </a:lnL>
+                    <a:lnR w="9525" cap="flat" cmpd="sng" algn="ctr">
+                      <a:solidFill>
+                        <a:srgbClr val="CCCCCC"/>
+                      </a:solidFill>
+                      <a:prstDash val="solid"/>
+                      <a:round/>
+                      <a:headEnd type="none" w="med" len="med"/>
+                      <a:tailEnd type="none" w="med" len="med"/>
+                    </a:lnR>
+                    <a:lnT w="9525" cap="flat" cmpd="sng" algn="ctr">
+                      <a:solidFill>
+                        <a:srgbClr val="CCCCCC"/>
+                      </a:solidFill>
+                      <a:prstDash val="solid"/>
+                      <a:round/>
+                      <a:headEnd type="none" w="med" len="med"/>
+                      <a:tailEnd type="none" w="med" len="med"/>
+                    </a:lnT>
+                    <a:lnB w="9525" cap="flat" cmpd="sng" algn="ctr">
+                      <a:solidFill>
+                        <a:srgbClr val="CCCCCC"/>
+                      </a:solidFill>
+                      <a:prstDash val="solid"/>
+                      <a:round/>
+                      <a:headEnd type="none" w="med" len="med"/>
+                      <a:tailEnd type="none" w="med" len="med"/>
+                    </a:lnB>
+                  </a:tcPr>
+                </a:tc>
+                <a:tc>
+                  <a:txBody>
+                    <a:bodyPr/>
+                    <a:lstStyle/>
+                    <a:p>
+                      <a:pPr algn="ctr" rtl="0" fontAlgn="b"/>
+                      <a:r>
+                        <a:rPr lang="en-US" sz="1300">
+                          <a:effectLst/>
+                        </a:rPr>
+                        <a:t>N</a:t>
+                      </a:r>
+                    </a:p>
+                  </a:txBody>
+                  <a:tcPr marL="20030" marR="20030" marT="13353" marB="13353" anchor="b">
+                    <a:lnL w="9525" cap="flat" cmpd="sng" algn="ctr">
+                      <a:solidFill>
+                        <a:srgbClr val="CCCCCC"/>
+                      </a:solidFill>
+                      <a:prstDash val="solid"/>
+                      <a:round/>
+                      <a:headEnd type="none" w="med" len="med"/>
+                      <a:tailEnd type="none" w="med" len="med"/>
+                    </a:lnL>
+                    <a:lnR w="9525" cap="flat" cmpd="sng" algn="ctr">
+                      <a:solidFill>
+                        <a:srgbClr val="CCCCCC"/>
+                      </a:solidFill>
+                      <a:prstDash val="solid"/>
+                      <a:round/>
+                      <a:headEnd type="none" w="med" len="med"/>
+                      <a:tailEnd type="none" w="med" len="med"/>
+                    </a:lnR>
+                    <a:lnT w="9525" cap="flat" cmpd="sng" algn="ctr">
+                      <a:solidFill>
+                        <a:srgbClr val="CCCCCC"/>
+                      </a:solidFill>
+                      <a:prstDash val="solid"/>
+                      <a:round/>
+                      <a:headEnd type="none" w="med" len="med"/>
+                      <a:tailEnd type="none" w="med" len="med"/>
+                    </a:lnT>
+                    <a:lnB w="9525" cap="flat" cmpd="sng" algn="ctr">
+                      <a:solidFill>
+                        <a:srgbClr val="CCCCCC"/>
+                      </a:solidFill>
+                      <a:prstDash val="solid"/>
+                      <a:round/>
+                      <a:headEnd type="none" w="med" len="med"/>
+                      <a:tailEnd type="none" w="med" len="med"/>
+                    </a:lnB>
+                  </a:tcPr>
+                </a:tc>
+                <a:tc>
+                  <a:txBody>
+                    <a:bodyPr/>
+                    <a:lstStyle/>
+                    <a:p>
+                      <a:pPr algn="ctr" rtl="0" fontAlgn="b"/>
+                      <a:r>
+                        <a:rPr lang="en-US" sz="1300">
+                          <a:effectLst/>
+                        </a:rPr>
+                        <a:t>m/s^2 </a:t>
+                      </a:r>
+                    </a:p>
+                  </a:txBody>
+                  <a:tcPr marL="20030" marR="20030" marT="13353" marB="13353" anchor="b">
+                    <a:lnL w="9525" cap="flat" cmpd="sng" algn="ctr">
+                      <a:solidFill>
+                        <a:srgbClr val="CCCCCC"/>
+                      </a:solidFill>
+                      <a:prstDash val="solid"/>
+                      <a:round/>
+                      <a:headEnd type="none" w="med" len="med"/>
+                      <a:tailEnd type="none" w="med" len="med"/>
+                    </a:lnL>
+                    <a:lnR w="9525" cap="flat" cmpd="sng" algn="ctr">
+                      <a:solidFill>
+                        <a:srgbClr val="CCCCCC"/>
+                      </a:solidFill>
+                      <a:prstDash val="solid"/>
+                      <a:round/>
+                      <a:headEnd type="none" w="med" len="med"/>
+                      <a:tailEnd type="none" w="med" len="med"/>
+                    </a:lnR>
+                    <a:lnT w="9525" cap="flat" cmpd="sng" algn="ctr">
+                      <a:solidFill>
+                        <a:srgbClr val="CCCCCC"/>
+                      </a:solidFill>
+                      <a:prstDash val="solid"/>
+                      <a:round/>
+                      <a:headEnd type="none" w="med" len="med"/>
+                      <a:tailEnd type="none" w="med" len="med"/>
+                    </a:lnT>
+                    <a:lnB w="9525" cap="flat" cmpd="sng" algn="ctr">
+                      <a:solidFill>
+                        <a:srgbClr val="CCCCCC"/>
+                      </a:solidFill>
+                      <a:prstDash val="solid"/>
+                      <a:round/>
+                      <a:headEnd type="none" w="med" len="med"/>
+                      <a:tailEnd type="none" w="med" len="med"/>
+                    </a:lnB>
+                  </a:tcPr>
+                </a:tc>
+                <a:tc>
+                  <a:txBody>
+                    <a:bodyPr/>
+                    <a:lstStyle/>
+                    <a:p>
+                      <a:pPr algn="ctr" rtl="0" fontAlgn="b"/>
+                      <a:r>
+                        <a:rPr lang="en-US" sz="1300">
+                          <a:effectLst/>
+                        </a:rPr>
+                        <a:t>ms</a:t>
+                      </a:r>
+                    </a:p>
+                  </a:txBody>
+                  <a:tcPr marL="20030" marR="20030" marT="13353" marB="13353" anchor="b">
+                    <a:lnL w="9525" cap="flat" cmpd="sng" algn="ctr">
+                      <a:solidFill>
+                        <a:srgbClr val="CCCCCC"/>
+                      </a:solidFill>
+                      <a:prstDash val="solid"/>
+                      <a:round/>
+                      <a:headEnd type="none" w="med" len="med"/>
+                      <a:tailEnd type="none" w="med" len="med"/>
+                    </a:lnL>
+                    <a:lnR w="9525" cap="flat" cmpd="sng" algn="ctr">
+                      <a:solidFill>
+                        <a:srgbClr val="CCCCCC"/>
+                      </a:solidFill>
+                      <a:prstDash val="solid"/>
+                      <a:round/>
+                      <a:headEnd type="none" w="med" len="med"/>
+                      <a:tailEnd type="none" w="med" len="med"/>
+                    </a:lnR>
+                    <a:lnT w="9525" cap="flat" cmpd="sng" algn="ctr">
+                      <a:solidFill>
+                        <a:srgbClr val="CCCCCC"/>
+                      </a:solidFill>
+                      <a:prstDash val="solid"/>
+                      <a:round/>
+                      <a:headEnd type="none" w="med" len="med"/>
+                      <a:tailEnd type="none" w="med" len="med"/>
+                    </a:lnT>
+                    <a:lnB w="9525" cap="flat" cmpd="sng" algn="ctr">
+                      <a:solidFill>
+                        <a:srgbClr val="CCCCCC"/>
+                      </a:solidFill>
+                      <a:prstDash val="solid"/>
+                      <a:round/>
+                      <a:headEnd type="none" w="med" len="med"/>
+                      <a:tailEnd type="none" w="med" len="med"/>
+                    </a:lnB>
+                  </a:tcPr>
+                </a:tc>
+                <a:tc>
+                  <a:txBody>
+                    <a:bodyPr/>
+                    <a:lstStyle/>
+                    <a:p>
+                      <a:pPr algn="ctr" rtl="0" fontAlgn="b"/>
+                      <a:r>
+                        <a:rPr lang="en-US" sz="1300">
+                          <a:effectLst/>
+                        </a:rPr>
+                        <a:t>mm</a:t>
+                      </a:r>
+                    </a:p>
+                  </a:txBody>
+                  <a:tcPr marL="20030" marR="20030" marT="13353" marB="13353" anchor="b">
+                    <a:lnL w="9525" cap="flat" cmpd="sng" algn="ctr">
+                      <a:solidFill>
+                        <a:srgbClr val="CCCCCC"/>
+                      </a:solidFill>
+                      <a:prstDash val="solid"/>
+                      <a:round/>
+                      <a:headEnd type="none" w="med" len="med"/>
+                      <a:tailEnd type="none" w="med" len="med"/>
+                    </a:lnL>
+                    <a:lnR w="9525" cap="flat" cmpd="sng" algn="ctr">
+                      <a:solidFill>
+                        <a:srgbClr val="CCCCCC"/>
+                      </a:solidFill>
+                      <a:prstDash val="solid"/>
+                      <a:round/>
+                      <a:headEnd type="none" w="med" len="med"/>
+                      <a:tailEnd type="none" w="med" len="med"/>
+                    </a:lnR>
+                    <a:lnT w="9525" cap="flat" cmpd="sng" algn="ctr">
+                      <a:solidFill>
+                        <a:srgbClr val="CCCCCC"/>
+                      </a:solidFill>
+                      <a:prstDash val="solid"/>
+                      <a:round/>
+                      <a:headEnd type="none" w="med" len="med"/>
+                      <a:tailEnd type="none" w="med" len="med"/>
+                    </a:lnT>
+                    <a:lnB w="9525" cap="flat" cmpd="sng" algn="ctr">
+                      <a:solidFill>
+                        <a:srgbClr val="CCCCCC"/>
+                      </a:solidFill>
+                      <a:prstDash val="solid"/>
+                      <a:round/>
+                      <a:headEnd type="none" w="med" len="med"/>
+                      <a:tailEnd type="none" w="med" len="med"/>
+                    </a:lnB>
+                  </a:tcPr>
+                </a:tc>
+                <a:tc>
+                  <a:txBody>
+                    <a:bodyPr/>
+                    <a:lstStyle/>
+                    <a:p>
+                      <a:pPr algn="ctr" rtl="0" fontAlgn="b"/>
+                      <a:r>
+                        <a:rPr lang="en-US" sz="1300">
+                          <a:effectLst/>
+                        </a:rPr>
+                        <a:t>W</a:t>
+                      </a:r>
+                    </a:p>
+                  </a:txBody>
+                  <a:tcPr marL="20030" marR="20030" marT="13353" marB="13353" anchor="b">
+                    <a:lnL w="9525" cap="flat" cmpd="sng" algn="ctr">
+                      <a:solidFill>
+                        <a:srgbClr val="CCCCCC"/>
+                      </a:solidFill>
+                      <a:prstDash val="solid"/>
+                      <a:round/>
+                      <a:headEnd type="none" w="med" len="med"/>
+                      <a:tailEnd type="none" w="med" len="med"/>
+                    </a:lnL>
+                    <a:lnR w="9525" cap="flat" cmpd="sng" algn="ctr">
+                      <a:solidFill>
+                        <a:srgbClr val="CCCCCC"/>
+                      </a:solidFill>
+                      <a:prstDash val="solid"/>
+                      <a:round/>
+                      <a:headEnd type="none" w="med" len="med"/>
+                      <a:tailEnd type="none" w="med" len="med"/>
+                    </a:lnR>
+                    <a:lnT w="9525" cap="flat" cmpd="sng" algn="ctr">
+                      <a:solidFill>
+                        <a:srgbClr val="CCCCCC"/>
+                      </a:solidFill>
+                      <a:prstDash val="solid"/>
+                      <a:round/>
+                      <a:headEnd type="none" w="med" len="med"/>
+                      <a:tailEnd type="none" w="med" len="med"/>
+                    </a:lnT>
+                    <a:lnB w="9525" cap="flat" cmpd="sng" algn="ctr">
+                      <a:solidFill>
+                        <a:srgbClr val="CCCCCC"/>
+                      </a:solidFill>
+                      <a:prstDash val="solid"/>
+                      <a:round/>
+                      <a:headEnd type="none" w="med" len="med"/>
+                      <a:tailEnd type="none" w="med" len="med"/>
+                    </a:lnB>
+                  </a:tcPr>
+                </a:tc>
+                <a:tc>
+                  <a:txBody>
+                    <a:bodyPr/>
+                    <a:lstStyle/>
+                    <a:p>
+                      <a:pPr algn="ctr" rtl="0" fontAlgn="b"/>
+                      <a:r>
+                        <a:rPr lang="en-US" sz="1300">
+                          <a:effectLst/>
+                        </a:rPr>
+                        <a:t>J</a:t>
+                      </a:r>
+                    </a:p>
+                  </a:txBody>
+                  <a:tcPr marL="20030" marR="20030" marT="13353" marB="13353" anchor="b">
+                    <a:lnL w="9525" cap="flat" cmpd="sng" algn="ctr">
+                      <a:solidFill>
+                        <a:srgbClr val="CCCCCC"/>
+                      </a:solidFill>
+                      <a:prstDash val="solid"/>
+                      <a:round/>
+                      <a:headEnd type="none" w="med" len="med"/>
+                      <a:tailEnd type="none" w="med" len="med"/>
+                    </a:lnL>
+                    <a:lnR w="9525" cap="flat" cmpd="sng" algn="ctr">
+                      <a:solidFill>
+                        <a:srgbClr val="CCCCCC"/>
+                      </a:solidFill>
+                      <a:prstDash val="solid"/>
+                      <a:round/>
+                      <a:headEnd type="none" w="med" len="med"/>
+                      <a:tailEnd type="none" w="med" len="med"/>
+                    </a:lnR>
+                    <a:lnT w="9525" cap="flat" cmpd="sng" algn="ctr">
+                      <a:solidFill>
+                        <a:srgbClr val="CCCCCC"/>
+                      </a:solidFill>
+                      <a:prstDash val="solid"/>
+                      <a:round/>
+                      <a:headEnd type="none" w="med" len="med"/>
+                      <a:tailEnd type="none" w="med" len="med"/>
+                    </a:lnT>
+                    <a:lnB w="9525" cap="flat" cmpd="sng" algn="ctr">
+                      <a:solidFill>
+                        <a:srgbClr val="CCCCCC"/>
+                      </a:solidFill>
+                      <a:prstDash val="solid"/>
+                      <a:round/>
+                      <a:headEnd type="none" w="med" len="med"/>
+                      <a:tailEnd type="none" w="med" len="med"/>
+                    </a:lnB>
+                  </a:tcPr>
+                </a:tc>
+                <a:tc>
+                  <a:txBody>
+                    <a:bodyPr/>
+                    <a:lstStyle/>
+                    <a:p>
+                      <a:pPr algn="ctr" rtl="0" fontAlgn="b"/>
+                      <a:r>
+                        <a:rPr lang="en-US" sz="1300" dirty="0">
+                          <a:effectLst/>
+                        </a:rPr>
+                        <a:t>kHz</a:t>
+                      </a:r>
+                    </a:p>
+                  </a:txBody>
+                  <a:tcPr marL="20030" marR="20030" marT="13353" marB="13353" anchor="b">
+                    <a:lnL w="9525" cap="flat" cmpd="sng" algn="ctr">
+                      <a:solidFill>
+                        <a:srgbClr val="CCCCCC"/>
+                      </a:solidFill>
+                      <a:prstDash val="solid"/>
+                      <a:round/>
+                      <a:headEnd type="none" w="med" len="med"/>
+                      <a:tailEnd type="none" w="med" len="med"/>
+                    </a:lnL>
+                    <a:lnR w="9525" cap="flat" cmpd="sng" algn="ctr">
+                      <a:solidFill>
+                        <a:srgbClr val="CCCCCC"/>
+                      </a:solidFill>
+                      <a:prstDash val="solid"/>
+                      <a:round/>
+                      <a:headEnd type="none" w="med" len="med"/>
+                      <a:tailEnd type="none" w="med" len="med"/>
+                    </a:lnR>
+                    <a:lnT w="9525" cap="flat" cmpd="sng" algn="ctr">
+                      <a:solidFill>
+                        <a:srgbClr val="CCCCCC"/>
+                      </a:solidFill>
+                      <a:prstDash val="solid"/>
+                      <a:round/>
+                      <a:headEnd type="none" w="med" len="med"/>
+                      <a:tailEnd type="none" w="med" len="med"/>
+                    </a:lnT>
+                    <a:lnB w="9525" cap="flat" cmpd="sng" algn="ctr">
+                      <a:solidFill>
+                        <a:srgbClr val="CCCCCC"/>
+                      </a:solidFill>
+                      <a:prstDash val="solid"/>
+                      <a:round/>
+                      <a:headEnd type="none" w="med" len="med"/>
+                      <a:tailEnd type="none" w="med" len="med"/>
+                    </a:lnB>
+                  </a:tcPr>
+                </a:tc>
+                <a:extLst>
+                  <a:ext uri="{0D108BD9-81ED-4DB2-BD59-A6C34878D82A}">
+                    <a16:rowId xmlns:a16="http://schemas.microsoft.com/office/drawing/2014/main" val="3195372606"/>
+                  </a:ext>
+                </a:extLst>
+              </a:tr>
+            </a:tbl>
+          </a:graphicData>
+        </a:graphic>
+      </p:graphicFrame>
+      <p:graphicFrame>
+        <p:nvGraphicFramePr>
+          <p:cNvPr id="3" name="Table 2"/>
+          <p:cNvGraphicFramePr>
+            <a:graphicFrameLocks noGrp="1"/>
+          </p:cNvGraphicFramePr>
+          <p:nvPr>
+            <p:extLst>
+              <p:ext uri="{D42A27DB-BD31-4B8C-83A1-F6EECF244321}">
+                <p14:modId xmlns:p14="http://schemas.microsoft.com/office/powerpoint/2010/main" val="3395882667"/>
+              </p:ext>
+            </p:extLst>
+          </p:nvPr>
+        </p:nvGraphicFramePr>
+        <p:xfrm>
+          <a:off x="218370" y="5633202"/>
+          <a:ext cx="11080836" cy="541355"/>
+        </p:xfrm>
+        <a:graphic>
+          <a:graphicData uri="http://schemas.openxmlformats.org/drawingml/2006/table">
+            <a:tbl>
+              <a:tblPr/>
+              <a:tblGrid>
+                <a:gridCol w="1992852">
+                  <a:extLst>
+                    <a:ext uri="{9D8B030D-6E8A-4147-A177-3AD203B41FA5}">
+                      <a16:colId xmlns:a16="http://schemas.microsoft.com/office/drawing/2014/main" val="469999972"/>
+                    </a:ext>
+                  </a:extLst>
+                </a:gridCol>
+                <a:gridCol w="518923">
+                  <a:extLst>
+                    <a:ext uri="{9D8B030D-6E8A-4147-A177-3AD203B41FA5}">
+                      <a16:colId xmlns:a16="http://schemas.microsoft.com/office/drawing/2014/main" val="128759039"/>
+                    </a:ext>
+                  </a:extLst>
+                </a:gridCol>
+                <a:gridCol w="518923">
+                  <a:extLst>
+                    <a:ext uri="{9D8B030D-6E8A-4147-A177-3AD203B41FA5}">
+                      <a16:colId xmlns:a16="http://schemas.microsoft.com/office/drawing/2014/main" val="2496006352"/>
+                    </a:ext>
+                  </a:extLst>
+                </a:gridCol>
+                <a:gridCol w="518923">
+                  <a:extLst>
+                    <a:ext uri="{9D8B030D-6E8A-4147-A177-3AD203B41FA5}">
+                      <a16:colId xmlns:a16="http://schemas.microsoft.com/office/drawing/2014/main" val="1316150571"/>
+                    </a:ext>
+                  </a:extLst>
+                </a:gridCol>
+                <a:gridCol w="518923">
+                  <a:extLst>
+                    <a:ext uri="{9D8B030D-6E8A-4147-A177-3AD203B41FA5}">
+                      <a16:colId xmlns:a16="http://schemas.microsoft.com/office/drawing/2014/main" val="3278352712"/>
+                    </a:ext>
+                  </a:extLst>
+                </a:gridCol>
+                <a:gridCol w="518923">
+                  <a:extLst>
+                    <a:ext uri="{9D8B030D-6E8A-4147-A177-3AD203B41FA5}">
+                      <a16:colId xmlns:a16="http://schemas.microsoft.com/office/drawing/2014/main" val="104792747"/>
+                    </a:ext>
+                  </a:extLst>
+                </a:gridCol>
+                <a:gridCol w="518923">
+                  <a:extLst>
+                    <a:ext uri="{9D8B030D-6E8A-4147-A177-3AD203B41FA5}">
+                      <a16:colId xmlns:a16="http://schemas.microsoft.com/office/drawing/2014/main" val="600540848"/>
+                    </a:ext>
+                  </a:extLst>
+                </a:gridCol>
+                <a:gridCol w="518923">
+                  <a:extLst>
+                    <a:ext uri="{9D8B030D-6E8A-4147-A177-3AD203B41FA5}">
+                      <a16:colId xmlns:a16="http://schemas.microsoft.com/office/drawing/2014/main" val="1700835946"/>
+                    </a:ext>
+                  </a:extLst>
+                </a:gridCol>
+                <a:gridCol w="518923">
+                  <a:extLst>
+                    <a:ext uri="{9D8B030D-6E8A-4147-A177-3AD203B41FA5}">
+                      <a16:colId xmlns:a16="http://schemas.microsoft.com/office/drawing/2014/main" val="2245642950"/>
+                    </a:ext>
+                  </a:extLst>
+                </a:gridCol>
+                <a:gridCol w="518923">
+                  <a:extLst>
+                    <a:ext uri="{9D8B030D-6E8A-4147-A177-3AD203B41FA5}">
+                      <a16:colId xmlns:a16="http://schemas.microsoft.com/office/drawing/2014/main" val="1085117498"/>
+                    </a:ext>
+                  </a:extLst>
+                </a:gridCol>
+                <a:gridCol w="518923">
+                  <a:extLst>
+                    <a:ext uri="{9D8B030D-6E8A-4147-A177-3AD203B41FA5}">
+                      <a16:colId xmlns:a16="http://schemas.microsoft.com/office/drawing/2014/main" val="1353115133"/>
+                    </a:ext>
+                  </a:extLst>
+                </a:gridCol>
+                <a:gridCol w="518923">
+                  <a:extLst>
+                    <a:ext uri="{9D8B030D-6E8A-4147-A177-3AD203B41FA5}">
+                      <a16:colId xmlns:a16="http://schemas.microsoft.com/office/drawing/2014/main" val="4262162013"/>
+                    </a:ext>
+                  </a:extLst>
+                </a:gridCol>
+                <a:gridCol w="546236">
+                  <a:extLst>
+                    <a:ext uri="{9D8B030D-6E8A-4147-A177-3AD203B41FA5}">
+                      <a16:colId xmlns:a16="http://schemas.microsoft.com/office/drawing/2014/main" val="2828210064"/>
+                    </a:ext>
+                  </a:extLst>
+                </a:gridCol>
+                <a:gridCol w="518923">
+                  <a:extLst>
+                    <a:ext uri="{9D8B030D-6E8A-4147-A177-3AD203B41FA5}">
+                      <a16:colId xmlns:a16="http://schemas.microsoft.com/office/drawing/2014/main" val="3104102405"/>
+                    </a:ext>
+                  </a:extLst>
+                </a:gridCol>
+                <a:gridCol w="518923">
+                  <a:extLst>
+                    <a:ext uri="{9D8B030D-6E8A-4147-A177-3AD203B41FA5}">
+                      <a16:colId xmlns:a16="http://schemas.microsoft.com/office/drawing/2014/main" val="556121706"/>
+                    </a:ext>
+                  </a:extLst>
+                </a:gridCol>
+                <a:gridCol w="518923">
+                  <a:extLst>
+                    <a:ext uri="{9D8B030D-6E8A-4147-A177-3AD203B41FA5}">
+                      <a16:colId xmlns:a16="http://schemas.microsoft.com/office/drawing/2014/main" val="3282565451"/>
+                    </a:ext>
+                  </a:extLst>
+                </a:gridCol>
+                <a:gridCol w="594032">
+                  <a:extLst>
+                    <a:ext uri="{9D8B030D-6E8A-4147-A177-3AD203B41FA5}">
+                      <a16:colId xmlns:a16="http://schemas.microsoft.com/office/drawing/2014/main" val="436188730"/>
+                    </a:ext>
+                  </a:extLst>
+                </a:gridCol>
+                <a:gridCol w="682794">
+                  <a:extLst>
+                    <a:ext uri="{9D8B030D-6E8A-4147-A177-3AD203B41FA5}">
+                      <a16:colId xmlns:a16="http://schemas.microsoft.com/office/drawing/2014/main" val="2152946531"/>
+                    </a:ext>
+                  </a:extLst>
+                </a:gridCol>
+              </a:tblGrid>
+              <a:tr h="541355">
+                <a:tc>
+                  <a:txBody>
+                    <a:bodyPr/>
+                    <a:lstStyle/>
+                    <a:p>
+                      <a:pPr rtl="0" fontAlgn="b"/>
+                      <a:r>
+                        <a:rPr lang="en-US" sz="1300" b="0" dirty="0" err="1">
+                          <a:effectLst/>
+                        </a:rPr>
+                        <a:t>ODrive</a:t>
+                      </a:r>
+                      <a:r>
+                        <a:rPr lang="en-US" sz="1300" b="0" dirty="0">
+                          <a:effectLst/>
+                        </a:rPr>
+                        <a:t> Robotics D6374 - 150kv</a:t>
+                      </a:r>
+                    </a:p>
+                  </a:txBody>
+                  <a:tcPr marL="20030" marR="20030" marT="13353" marB="13353" anchor="b">
+                    <a:lnL w="9525" cap="flat" cmpd="sng" algn="ctr">
+                      <a:solidFill>
+                        <a:srgbClr val="CCCCCC"/>
+                      </a:solidFill>
+                      <a:prstDash val="solid"/>
+                      <a:round/>
+                      <a:headEnd type="none" w="med" len="med"/>
+                      <a:tailEnd type="none" w="med" len="med"/>
+                    </a:lnL>
+                    <a:lnR w="9525" cap="flat" cmpd="sng" algn="ctr">
+                      <a:solidFill>
+                        <a:srgbClr val="CCCCCC"/>
+                      </a:solidFill>
+                      <a:prstDash val="solid"/>
+                      <a:round/>
+                      <a:headEnd type="none" w="med" len="med"/>
+                      <a:tailEnd type="none" w="med" len="med"/>
+                    </a:lnR>
+                    <a:lnT w="9525" cap="flat" cmpd="sng" algn="ctr">
+                      <a:solidFill>
+                        <a:srgbClr val="CCCCCC"/>
+                      </a:solidFill>
+                      <a:prstDash val="solid"/>
+                      <a:round/>
+                      <a:headEnd type="none" w="med" len="med"/>
+                      <a:tailEnd type="none" w="med" len="med"/>
+                    </a:lnT>
+                    <a:lnB w="9525" cap="flat" cmpd="sng" algn="ctr">
+                      <a:solidFill>
+                        <a:srgbClr val="CCCCCC"/>
+                      </a:solidFill>
+                      <a:prstDash val="solid"/>
+                      <a:round/>
+                      <a:headEnd type="none" w="med" len="med"/>
+                      <a:tailEnd type="none" w="med" len="med"/>
+                    </a:lnB>
+                  </a:tcPr>
+                </a:tc>
+                <a:tc>
+                  <a:txBody>
+                    <a:bodyPr/>
+                    <a:lstStyle/>
+                    <a:p>
+                      <a:pPr algn="r" rtl="0" fontAlgn="b"/>
+                      <a:r>
+                        <a:rPr lang="en-US" sz="1300" b="1">
+                          <a:effectLst/>
+                        </a:rPr>
+                        <a:t>150</a:t>
+                      </a:r>
+                    </a:p>
+                  </a:txBody>
+                  <a:tcPr marL="20030" marR="20030" marT="13353" marB="13353" anchor="b">
+                    <a:lnL w="9525" cap="flat" cmpd="sng" algn="ctr">
+                      <a:solidFill>
+                        <a:srgbClr val="CCCCCC"/>
+                      </a:solidFill>
+                      <a:prstDash val="solid"/>
+                      <a:round/>
+                      <a:headEnd type="none" w="med" len="med"/>
+                      <a:tailEnd type="none" w="med" len="med"/>
+                    </a:lnL>
+                    <a:lnR w="9525" cap="flat" cmpd="sng" algn="ctr">
+                      <a:solidFill>
+                        <a:srgbClr val="CCCCCC"/>
+                      </a:solidFill>
+                      <a:prstDash val="solid"/>
+                      <a:round/>
+                      <a:headEnd type="none" w="med" len="med"/>
+                      <a:tailEnd type="none" w="med" len="med"/>
+                    </a:lnR>
+                    <a:lnT w="9525" cap="flat" cmpd="sng" algn="ctr">
+                      <a:solidFill>
+                        <a:srgbClr val="CCCCCC"/>
+                      </a:solidFill>
+                      <a:prstDash val="solid"/>
+                      <a:round/>
+                      <a:headEnd type="none" w="med" len="med"/>
+                      <a:tailEnd type="none" w="med" len="med"/>
+                    </a:lnT>
+                    <a:lnB w="9525" cap="flat" cmpd="sng" algn="ctr">
+                      <a:solidFill>
+                        <a:srgbClr val="CCCCCC"/>
+                      </a:solidFill>
+                      <a:prstDash val="solid"/>
+                      <a:round/>
+                      <a:headEnd type="none" w="med" len="med"/>
+                      <a:tailEnd type="none" w="med" len="med"/>
+                    </a:lnB>
+                    <a:solidFill>
+                      <a:srgbClr val="C9DAF8"/>
+                    </a:solidFill>
+                  </a:tcPr>
+                </a:tc>
+                <a:tc>
+                  <a:txBody>
+                    <a:bodyPr/>
+                    <a:lstStyle/>
+                    <a:p>
+                      <a:pPr algn="r" rtl="0" fontAlgn="b"/>
+                      <a:r>
+                        <a:rPr lang="en-US" sz="1300" b="1">
+                          <a:effectLst/>
+                        </a:rPr>
+                        <a:t>70</a:t>
+                      </a:r>
+                    </a:p>
+                  </a:txBody>
+                  <a:tcPr marL="20030" marR="20030" marT="13353" marB="13353" anchor="b">
+                    <a:lnL w="9525" cap="flat" cmpd="sng" algn="ctr">
+                      <a:solidFill>
+                        <a:srgbClr val="CCCCCC"/>
+                      </a:solidFill>
+                      <a:prstDash val="solid"/>
+                      <a:round/>
+                      <a:headEnd type="none" w="med" len="med"/>
+                      <a:tailEnd type="none" w="med" len="med"/>
+                    </a:lnL>
+                    <a:lnR w="9525" cap="flat" cmpd="sng" algn="ctr">
+                      <a:solidFill>
+                        <a:srgbClr val="CCCCCC"/>
+                      </a:solidFill>
+                      <a:prstDash val="solid"/>
+                      <a:round/>
+                      <a:headEnd type="none" w="med" len="med"/>
+                      <a:tailEnd type="none" w="med" len="med"/>
+                    </a:lnR>
+                    <a:lnT w="9525" cap="flat" cmpd="sng" algn="ctr">
+                      <a:solidFill>
+                        <a:srgbClr val="CCCCCC"/>
+                      </a:solidFill>
+                      <a:prstDash val="solid"/>
+                      <a:round/>
+                      <a:headEnd type="none" w="med" len="med"/>
+                      <a:tailEnd type="none" w="med" len="med"/>
+                    </a:lnT>
+                    <a:lnB w="9525" cap="flat" cmpd="sng" algn="ctr">
+                      <a:solidFill>
+                        <a:srgbClr val="CCCCCC"/>
+                      </a:solidFill>
+                      <a:prstDash val="solid"/>
+                      <a:round/>
+                      <a:headEnd type="none" w="med" len="med"/>
+                      <a:tailEnd type="none" w="med" len="med"/>
+                    </a:lnB>
+                    <a:solidFill>
+                      <a:srgbClr val="C9DAF8"/>
+                    </a:solidFill>
+                  </a:tcPr>
+                </a:tc>
+                <a:tc>
+                  <a:txBody>
+                    <a:bodyPr/>
+                    <a:lstStyle/>
+                    <a:p>
+                      <a:pPr algn="r" rtl="0" fontAlgn="b"/>
+                      <a:r>
+                        <a:rPr lang="en-US" sz="1300" b="1">
+                          <a:effectLst/>
+                        </a:rPr>
+                        <a:t>48</a:t>
+                      </a:r>
+                    </a:p>
+                  </a:txBody>
+                  <a:tcPr marL="20030" marR="20030" marT="13353" marB="13353" anchor="b">
+                    <a:lnL w="9525" cap="flat" cmpd="sng" algn="ctr">
+                      <a:solidFill>
+                        <a:srgbClr val="CCCCCC"/>
+                      </a:solidFill>
+                      <a:prstDash val="solid"/>
+                      <a:round/>
+                      <a:headEnd type="none" w="med" len="med"/>
+                      <a:tailEnd type="none" w="med" len="med"/>
+                    </a:lnL>
+                    <a:lnR w="9525" cap="flat" cmpd="sng" algn="ctr">
+                      <a:solidFill>
+                        <a:srgbClr val="CCCCCC"/>
+                      </a:solidFill>
+                      <a:prstDash val="solid"/>
+                      <a:round/>
+                      <a:headEnd type="none" w="med" len="med"/>
+                      <a:tailEnd type="none" w="med" len="med"/>
+                    </a:lnR>
+                    <a:lnT w="9525" cap="flat" cmpd="sng" algn="ctr">
+                      <a:solidFill>
+                        <a:srgbClr val="CCCCCC"/>
+                      </a:solidFill>
+                      <a:prstDash val="solid"/>
+                      <a:round/>
+                      <a:headEnd type="none" w="med" len="med"/>
+                      <a:tailEnd type="none" w="med" len="med"/>
+                    </a:lnT>
+                    <a:lnB w="9525" cap="flat" cmpd="sng" algn="ctr">
+                      <a:solidFill>
+                        <a:srgbClr val="CCCCCC"/>
+                      </a:solidFill>
+                      <a:prstDash val="solid"/>
+                      <a:round/>
+                      <a:headEnd type="none" w="med" len="med"/>
+                      <a:tailEnd type="none" w="med" len="med"/>
+                    </a:lnB>
+                    <a:solidFill>
+                      <a:srgbClr val="C9DAF8"/>
+                    </a:solidFill>
+                  </a:tcPr>
+                </a:tc>
+                <a:tc>
+                  <a:txBody>
+                    <a:bodyPr/>
+                    <a:lstStyle/>
+                    <a:p>
+                      <a:pPr algn="r" rtl="0" fontAlgn="b"/>
+                      <a:r>
+                        <a:rPr lang="en-US" sz="1300" b="1" dirty="0">
+                          <a:effectLst/>
+                        </a:rPr>
+                        <a:t>99</a:t>
+                      </a:r>
+                    </a:p>
+                  </a:txBody>
+                  <a:tcPr marL="20030" marR="20030" marT="13353" marB="13353" anchor="b">
+                    <a:lnL w="9525" cap="flat" cmpd="sng" algn="ctr">
+                      <a:solidFill>
+                        <a:srgbClr val="CCCCCC"/>
+                      </a:solidFill>
+                      <a:prstDash val="solid"/>
+                      <a:round/>
+                      <a:headEnd type="none" w="med" len="med"/>
+                      <a:tailEnd type="none" w="med" len="med"/>
+                    </a:lnL>
+                    <a:lnR w="9525" cap="flat" cmpd="sng" algn="ctr">
+                      <a:solidFill>
+                        <a:srgbClr val="CCCCCC"/>
+                      </a:solidFill>
+                      <a:prstDash val="solid"/>
+                      <a:round/>
+                      <a:headEnd type="none" w="med" len="med"/>
+                      <a:tailEnd type="none" w="med" len="med"/>
+                    </a:lnR>
+                    <a:lnT w="9525" cap="flat" cmpd="sng" algn="ctr">
+                      <a:solidFill>
+                        <a:srgbClr val="CCCCCC"/>
+                      </a:solidFill>
+                      <a:prstDash val="solid"/>
+                      <a:round/>
+                      <a:headEnd type="none" w="med" len="med"/>
+                      <a:tailEnd type="none" w="med" len="med"/>
+                    </a:lnT>
+                    <a:lnB w="9525" cap="flat" cmpd="sng" algn="ctr">
+                      <a:solidFill>
+                        <a:srgbClr val="CCCCCC"/>
+                      </a:solidFill>
+                      <a:prstDash val="solid"/>
+                      <a:round/>
+                      <a:headEnd type="none" w="med" len="med"/>
+                      <a:tailEnd type="none" w="med" len="med"/>
+                    </a:lnB>
+                    <a:solidFill>
+                      <a:srgbClr val="C9DAF8"/>
+                    </a:solidFill>
+                  </a:tcPr>
+                </a:tc>
+                <a:tc>
+                  <a:txBody>
+                    <a:bodyPr/>
+                    <a:lstStyle/>
+                    <a:p>
+                      <a:pPr algn="r" rtl="0" fontAlgn="b"/>
+                      <a:r>
+                        <a:rPr lang="en-US" sz="1300" b="1">
+                          <a:effectLst/>
+                        </a:rPr>
+                        <a:t>890</a:t>
+                      </a:r>
+                    </a:p>
+                  </a:txBody>
+                  <a:tcPr marL="20030" marR="20030" marT="13353" marB="13353" anchor="b">
+                    <a:lnL w="9525" cap="flat" cmpd="sng" algn="ctr">
+                      <a:solidFill>
+                        <a:srgbClr val="CCCCCC"/>
+                      </a:solidFill>
+                      <a:prstDash val="solid"/>
+                      <a:round/>
+                      <a:headEnd type="none" w="med" len="med"/>
+                      <a:tailEnd type="none" w="med" len="med"/>
+                    </a:lnL>
+                    <a:lnR w="9525" cap="flat" cmpd="sng" algn="ctr">
+                      <a:solidFill>
+                        <a:srgbClr val="CCCCCC"/>
+                      </a:solidFill>
+                      <a:prstDash val="solid"/>
+                      <a:round/>
+                      <a:headEnd type="none" w="med" len="med"/>
+                      <a:tailEnd type="none" w="med" len="med"/>
+                    </a:lnR>
+                    <a:lnT w="9525" cap="flat" cmpd="sng" algn="ctr">
+                      <a:solidFill>
+                        <a:srgbClr val="CCCCCC"/>
+                      </a:solidFill>
+                      <a:prstDash val="solid"/>
+                      <a:round/>
+                      <a:headEnd type="none" w="med" len="med"/>
+                      <a:tailEnd type="none" w="med" len="med"/>
+                    </a:lnT>
+                    <a:lnB w="9525" cap="flat" cmpd="sng" algn="ctr">
+                      <a:solidFill>
+                        <a:srgbClr val="CCCCCC"/>
+                      </a:solidFill>
+                      <a:prstDash val="solid"/>
+                      <a:round/>
+                      <a:headEnd type="none" w="med" len="med"/>
+                      <a:tailEnd type="none" w="med" len="med"/>
+                    </a:lnB>
+                    <a:solidFill>
+                      <a:srgbClr val="C9DAF8"/>
+                    </a:solidFill>
+                  </a:tcPr>
+                </a:tc>
+                <a:tc>
+                  <a:txBody>
+                    <a:bodyPr/>
+                    <a:lstStyle/>
+                    <a:p>
+                      <a:pPr rtl="0" fontAlgn="b"/>
+                      <a:endParaRPr lang="en-US" sz="1300" b="1" u="sng" dirty="0">
+                        <a:solidFill>
+                          <a:srgbClr val="1155CC"/>
+                        </a:solidFill>
+                        <a:effectLst/>
+                      </a:endParaRPr>
+                    </a:p>
+                  </a:txBody>
+                  <a:tcPr marL="20030" marR="20030" marT="13353" marB="13353" anchor="b">
+                    <a:lnL w="9525" cap="flat" cmpd="sng" algn="ctr">
+                      <a:solidFill>
+                        <a:srgbClr val="CCCCCC"/>
+                      </a:solidFill>
+                      <a:prstDash val="solid"/>
+                      <a:round/>
+                      <a:headEnd type="none" w="med" len="med"/>
+                      <a:tailEnd type="none" w="med" len="med"/>
+                    </a:lnL>
+                    <a:lnR w="9525" cap="flat" cmpd="sng" algn="ctr">
+                      <a:solidFill>
+                        <a:srgbClr val="CCCCCC"/>
+                      </a:solidFill>
+                      <a:prstDash val="solid"/>
+                      <a:round/>
+                      <a:headEnd type="none" w="med" len="med"/>
+                      <a:tailEnd type="none" w="med" len="med"/>
+                    </a:lnR>
+                    <a:lnT w="9525" cap="flat" cmpd="sng" algn="ctr">
+                      <a:solidFill>
+                        <a:srgbClr val="CCCCCC"/>
+                      </a:solidFill>
+                      <a:prstDash val="solid"/>
+                      <a:round/>
+                      <a:headEnd type="none" w="med" len="med"/>
+                      <a:tailEnd type="none" w="med" len="med"/>
+                    </a:lnT>
+                    <a:lnB w="9525" cap="flat" cmpd="sng" algn="ctr">
+                      <a:solidFill>
+                        <a:srgbClr val="CCCCCC"/>
+                      </a:solidFill>
+                      <a:prstDash val="solid"/>
+                      <a:round/>
+                      <a:headEnd type="none" w="med" len="med"/>
+                      <a:tailEnd type="none" w="med" len="med"/>
+                    </a:lnB>
+                    <a:solidFill>
+                      <a:srgbClr val="C9DAF8"/>
+                    </a:solidFill>
+                  </a:tcPr>
+                </a:tc>
+                <a:tc>
+                  <a:txBody>
+                    <a:bodyPr/>
+                    <a:lstStyle/>
+                    <a:p>
+                      <a:pPr algn="r" rtl="0" fontAlgn="b"/>
+                      <a:r>
+                        <a:rPr lang="en-US" sz="1300" b="1" dirty="0">
+                          <a:effectLst/>
+                        </a:rPr>
+                        <a:t>3.86</a:t>
+                      </a:r>
+                    </a:p>
+                  </a:txBody>
+                  <a:tcPr marL="20030" marR="20030" marT="13353" marB="13353" anchor="b">
+                    <a:lnL w="9525" cap="flat" cmpd="sng" algn="ctr">
+                      <a:solidFill>
+                        <a:srgbClr val="CCCCCC"/>
+                      </a:solidFill>
+                      <a:prstDash val="solid"/>
+                      <a:round/>
+                      <a:headEnd type="none" w="med" len="med"/>
+                      <a:tailEnd type="none" w="med" len="med"/>
+                    </a:lnL>
+                    <a:lnR w="9525" cap="flat" cmpd="sng" algn="ctr">
+                      <a:solidFill>
+                        <a:srgbClr val="CCCCCC"/>
+                      </a:solidFill>
+                      <a:prstDash val="solid"/>
+                      <a:round/>
+                      <a:headEnd type="none" w="med" len="med"/>
+                      <a:tailEnd type="none" w="med" len="med"/>
+                    </a:lnR>
+                    <a:lnT w="9525" cap="flat" cmpd="sng" algn="ctr">
+                      <a:solidFill>
+                        <a:srgbClr val="CCCCCC"/>
+                      </a:solidFill>
+                      <a:prstDash val="solid"/>
+                      <a:round/>
+                      <a:headEnd type="none" w="med" len="med"/>
+                      <a:tailEnd type="none" w="med" len="med"/>
+                    </a:lnT>
+                    <a:lnB w="9525" cap="flat" cmpd="sng" algn="ctr">
+                      <a:solidFill>
+                        <a:srgbClr val="CCCCCC"/>
+                      </a:solidFill>
+                      <a:prstDash val="solid"/>
+                      <a:round/>
+                      <a:headEnd type="none" w="med" len="med"/>
+                      <a:tailEnd type="none" w="med" len="med"/>
+                    </a:lnB>
+                    <a:solidFill>
+                      <a:srgbClr val="FBC868"/>
+                    </a:solidFill>
+                  </a:tcPr>
+                </a:tc>
+                <a:tc>
+                  <a:txBody>
+                    <a:bodyPr/>
+                    <a:lstStyle/>
+                    <a:p>
+                      <a:pPr algn="r" rtl="0" fontAlgn="b"/>
+                      <a:r>
+                        <a:rPr lang="en-US" sz="1300" b="1">
+                          <a:effectLst/>
+                        </a:rPr>
+                        <a:t>5760</a:t>
+                      </a:r>
+                    </a:p>
+                  </a:txBody>
+                  <a:tcPr marL="20030" marR="20030" marT="13353" marB="13353" anchor="b">
+                    <a:lnL w="9525" cap="flat" cmpd="sng" algn="ctr">
+                      <a:solidFill>
+                        <a:srgbClr val="CCCCCC"/>
+                      </a:solidFill>
+                      <a:prstDash val="solid"/>
+                      <a:round/>
+                      <a:headEnd type="none" w="med" len="med"/>
+                      <a:tailEnd type="none" w="med" len="med"/>
+                    </a:lnL>
+                    <a:lnR w="9525" cap="flat" cmpd="sng" algn="ctr">
+                      <a:solidFill>
+                        <a:srgbClr val="CCCCCC"/>
+                      </a:solidFill>
+                      <a:prstDash val="solid"/>
+                      <a:round/>
+                      <a:headEnd type="none" w="med" len="med"/>
+                      <a:tailEnd type="none" w="med" len="med"/>
+                    </a:lnR>
+                    <a:lnT w="9525" cap="flat" cmpd="sng" algn="ctr">
+                      <a:solidFill>
+                        <a:srgbClr val="CCCCCC"/>
+                      </a:solidFill>
+                      <a:prstDash val="solid"/>
+                      <a:round/>
+                      <a:headEnd type="none" w="med" len="med"/>
+                      <a:tailEnd type="none" w="med" len="med"/>
+                    </a:lnT>
+                    <a:lnB w="9525" cap="flat" cmpd="sng" algn="ctr">
+                      <a:solidFill>
+                        <a:srgbClr val="CCCCCC"/>
+                      </a:solidFill>
+                      <a:prstDash val="solid"/>
+                      <a:round/>
+                      <a:headEnd type="none" w="med" len="med"/>
+                      <a:tailEnd type="none" w="med" len="med"/>
+                    </a:lnB>
+                  </a:tcPr>
+                </a:tc>
+                <a:tc>
+                  <a:txBody>
+                    <a:bodyPr/>
+                    <a:lstStyle/>
+                    <a:p>
+                      <a:pPr algn="r" rtl="0" fontAlgn="b"/>
+                      <a:r>
+                        <a:rPr lang="en-US" sz="1300" b="1">
+                          <a:effectLst/>
+                        </a:rPr>
+                        <a:t>603.19</a:t>
+                      </a:r>
+                    </a:p>
+                  </a:txBody>
+                  <a:tcPr marL="20030" marR="20030" marT="13353" marB="13353" anchor="b">
+                    <a:lnL w="9525" cap="flat" cmpd="sng" algn="ctr">
+                      <a:solidFill>
+                        <a:srgbClr val="CCCCCC"/>
+                      </a:solidFill>
+                      <a:prstDash val="solid"/>
+                      <a:round/>
+                      <a:headEnd type="none" w="med" len="med"/>
+                      <a:tailEnd type="none" w="med" len="med"/>
+                    </a:lnL>
+                    <a:lnR w="9525" cap="flat" cmpd="sng" algn="ctr">
+                      <a:solidFill>
+                        <a:srgbClr val="CCCCCC"/>
+                      </a:solidFill>
+                      <a:prstDash val="solid"/>
+                      <a:round/>
+                      <a:headEnd type="none" w="med" len="med"/>
+                      <a:tailEnd type="none" w="med" len="med"/>
+                    </a:lnR>
+                    <a:lnT w="9525" cap="flat" cmpd="sng" algn="ctr">
+                      <a:solidFill>
+                        <a:srgbClr val="CCCCCC"/>
+                      </a:solidFill>
+                      <a:prstDash val="solid"/>
+                      <a:round/>
+                      <a:headEnd type="none" w="med" len="med"/>
+                      <a:tailEnd type="none" w="med" len="med"/>
+                    </a:lnT>
+                    <a:lnB w="9525" cap="flat" cmpd="sng" algn="ctr">
+                      <a:solidFill>
+                        <a:srgbClr val="CCCCCC"/>
+                      </a:solidFill>
+                      <a:prstDash val="solid"/>
+                      <a:round/>
+                      <a:headEnd type="none" w="med" len="med"/>
+                      <a:tailEnd type="none" w="med" len="med"/>
+                    </a:lnB>
+                  </a:tcPr>
+                </a:tc>
+                <a:tc>
+                  <a:txBody>
+                    <a:bodyPr/>
+                    <a:lstStyle/>
+                    <a:p>
+                      <a:pPr algn="r" rtl="0" fontAlgn="b"/>
+                      <a:r>
+                        <a:rPr lang="en-US" sz="1300" b="1">
+                          <a:effectLst/>
+                        </a:rPr>
+                        <a:t>5.76</a:t>
+                      </a:r>
+                    </a:p>
+                  </a:txBody>
+                  <a:tcPr marL="20030" marR="20030" marT="13353" marB="13353" anchor="b">
+                    <a:lnL w="9525" cap="flat" cmpd="sng" algn="ctr">
+                      <a:solidFill>
+                        <a:srgbClr val="CCCCCC"/>
+                      </a:solidFill>
+                      <a:prstDash val="solid"/>
+                      <a:round/>
+                      <a:headEnd type="none" w="med" len="med"/>
+                      <a:tailEnd type="none" w="med" len="med"/>
+                    </a:lnL>
+                    <a:lnR w="9525" cap="flat" cmpd="sng" algn="ctr">
+                      <a:solidFill>
+                        <a:srgbClr val="CCCCCC"/>
+                      </a:solidFill>
+                      <a:prstDash val="solid"/>
+                      <a:round/>
+                      <a:headEnd type="none" w="med" len="med"/>
+                      <a:tailEnd type="none" w="med" len="med"/>
+                    </a:lnR>
+                    <a:lnT w="9525" cap="flat" cmpd="sng" algn="ctr">
+                      <a:solidFill>
+                        <a:srgbClr val="CCCCCC"/>
+                      </a:solidFill>
+                      <a:prstDash val="solid"/>
+                      <a:round/>
+                      <a:headEnd type="none" w="med" len="med"/>
+                      <a:tailEnd type="none" w="med" len="med"/>
+                    </a:lnT>
+                    <a:lnB w="9525" cap="flat" cmpd="sng" algn="ctr">
+                      <a:solidFill>
+                        <a:srgbClr val="CCCCCC"/>
+                      </a:solidFill>
+                      <a:prstDash val="solid"/>
+                      <a:round/>
+                      <a:headEnd type="none" w="med" len="med"/>
+                      <a:tailEnd type="none" w="med" len="med"/>
+                    </a:lnB>
+                  </a:tcPr>
+                </a:tc>
+                <a:tc>
+                  <a:txBody>
+                    <a:bodyPr/>
+                    <a:lstStyle/>
+                    <a:p>
+                      <a:pPr algn="r" rtl="0" fontAlgn="b"/>
+                      <a:r>
+                        <a:rPr lang="en-US" sz="1300" b="1">
+                          <a:effectLst/>
+                        </a:rPr>
+                        <a:t>404.15</a:t>
+                      </a:r>
+                    </a:p>
+                  </a:txBody>
+                  <a:tcPr marL="20030" marR="20030" marT="13353" marB="13353" anchor="b">
+                    <a:lnL w="9525" cap="flat" cmpd="sng" algn="ctr">
+                      <a:solidFill>
+                        <a:srgbClr val="CCCCCC"/>
+                      </a:solidFill>
+                      <a:prstDash val="solid"/>
+                      <a:round/>
+                      <a:headEnd type="none" w="med" len="med"/>
+                      <a:tailEnd type="none" w="med" len="med"/>
+                    </a:lnL>
+                    <a:lnR w="9525" cap="flat" cmpd="sng" algn="ctr">
+                      <a:solidFill>
+                        <a:srgbClr val="CCCCCC"/>
+                      </a:solidFill>
+                      <a:prstDash val="solid"/>
+                      <a:round/>
+                      <a:headEnd type="none" w="med" len="med"/>
+                      <a:tailEnd type="none" w="med" len="med"/>
+                    </a:lnR>
+                    <a:lnT w="9525" cap="flat" cmpd="sng" algn="ctr">
+                      <a:solidFill>
+                        <a:srgbClr val="CCCCCC"/>
+                      </a:solidFill>
+                      <a:prstDash val="solid"/>
+                      <a:round/>
+                      <a:headEnd type="none" w="med" len="med"/>
+                      <a:tailEnd type="none" w="med" len="med"/>
+                    </a:lnT>
+                    <a:lnB w="9525" cap="flat" cmpd="sng" algn="ctr">
+                      <a:solidFill>
+                        <a:srgbClr val="CCCCCC"/>
+                      </a:solidFill>
+                      <a:prstDash val="solid"/>
+                      <a:round/>
+                      <a:headEnd type="none" w="med" len="med"/>
+                      <a:tailEnd type="none" w="med" len="med"/>
+                    </a:lnB>
+                  </a:tcPr>
+                </a:tc>
+                <a:tc>
+                  <a:txBody>
+                    <a:bodyPr/>
+                    <a:lstStyle/>
+                    <a:p>
+                      <a:pPr algn="r" rtl="0" fontAlgn="b"/>
+                      <a:r>
+                        <a:rPr lang="en-US" sz="1300" b="1">
+                          <a:effectLst/>
+                        </a:rPr>
+                        <a:t>134.87</a:t>
+                      </a:r>
+                    </a:p>
+                  </a:txBody>
+                  <a:tcPr marL="20030" marR="20030" marT="13353" marB="13353" anchor="b">
+                    <a:lnL w="9525" cap="flat" cmpd="sng" algn="ctr">
+                      <a:solidFill>
+                        <a:srgbClr val="CCCCCC"/>
+                      </a:solidFill>
+                      <a:prstDash val="solid"/>
+                      <a:round/>
+                      <a:headEnd type="none" w="med" len="med"/>
+                      <a:tailEnd type="none" w="med" len="med"/>
+                    </a:lnL>
+                    <a:lnR w="9525" cap="flat" cmpd="sng" algn="ctr">
+                      <a:solidFill>
+                        <a:srgbClr val="CCCCCC"/>
+                      </a:solidFill>
+                      <a:prstDash val="solid"/>
+                      <a:round/>
+                      <a:headEnd type="none" w="med" len="med"/>
+                      <a:tailEnd type="none" w="med" len="med"/>
+                    </a:lnR>
+                    <a:lnT w="9525" cap="flat" cmpd="sng" algn="ctr">
+                      <a:solidFill>
+                        <a:srgbClr val="CCCCCC"/>
+                      </a:solidFill>
+                      <a:prstDash val="solid"/>
+                      <a:round/>
+                      <a:headEnd type="none" w="med" len="med"/>
+                      <a:tailEnd type="none" w="med" len="med"/>
+                    </a:lnT>
+                    <a:lnB w="9525" cap="flat" cmpd="sng" algn="ctr">
+                      <a:solidFill>
+                        <a:srgbClr val="CCCCCC"/>
+                      </a:solidFill>
+                      <a:prstDash val="solid"/>
+                      <a:round/>
+                      <a:headEnd type="none" w="med" len="med"/>
+                      <a:tailEnd type="none" w="med" len="med"/>
+                    </a:lnB>
+                  </a:tcPr>
+                </a:tc>
+                <a:tc>
+                  <a:txBody>
+                    <a:bodyPr/>
+                    <a:lstStyle/>
+                    <a:p>
+                      <a:pPr algn="r" rtl="0" fontAlgn="b"/>
+                      <a:r>
+                        <a:rPr lang="en-US" sz="1300" b="1">
+                          <a:effectLst/>
+                        </a:rPr>
+                        <a:t>42.71</a:t>
+                      </a:r>
+                    </a:p>
+                  </a:txBody>
+                  <a:tcPr marL="20030" marR="20030" marT="13353" marB="13353" anchor="b">
+                    <a:lnL w="9525" cap="flat" cmpd="sng" algn="ctr">
+                      <a:solidFill>
+                        <a:srgbClr val="CCCCCC"/>
+                      </a:solidFill>
+                      <a:prstDash val="solid"/>
+                      <a:round/>
+                      <a:headEnd type="none" w="med" len="med"/>
+                      <a:tailEnd type="none" w="med" len="med"/>
+                    </a:lnL>
+                    <a:lnR w="9525" cap="flat" cmpd="sng" algn="ctr">
+                      <a:solidFill>
+                        <a:srgbClr val="CCCCCC"/>
+                      </a:solidFill>
+                      <a:prstDash val="solid"/>
+                      <a:round/>
+                      <a:headEnd type="none" w="med" len="med"/>
+                      <a:tailEnd type="none" w="med" len="med"/>
+                    </a:lnR>
+                    <a:lnT w="9525" cap="flat" cmpd="sng" algn="ctr">
+                      <a:solidFill>
+                        <a:srgbClr val="CCCCCC"/>
+                      </a:solidFill>
+                      <a:prstDash val="solid"/>
+                      <a:round/>
+                      <a:headEnd type="none" w="med" len="med"/>
+                      <a:tailEnd type="none" w="med" len="med"/>
+                    </a:lnT>
+                    <a:lnB w="9525" cap="flat" cmpd="sng" algn="ctr">
+                      <a:solidFill>
+                        <a:srgbClr val="CCCCCC"/>
+                      </a:solidFill>
+                      <a:prstDash val="solid"/>
+                      <a:round/>
+                      <a:headEnd type="none" w="med" len="med"/>
+                      <a:tailEnd type="none" w="med" len="med"/>
+                    </a:lnB>
+                  </a:tcPr>
+                </a:tc>
+                <a:tc>
+                  <a:txBody>
+                    <a:bodyPr/>
+                    <a:lstStyle/>
+                    <a:p>
+                      <a:pPr algn="r" rtl="0" fontAlgn="b"/>
+                      <a:r>
+                        <a:rPr lang="en-US" sz="1300" b="1">
+                          <a:effectLst/>
+                        </a:rPr>
+                        <a:t>123.00</a:t>
+                      </a:r>
+                    </a:p>
+                  </a:txBody>
+                  <a:tcPr marL="20030" marR="20030" marT="13353" marB="13353" anchor="b">
+                    <a:lnL w="9525" cap="flat" cmpd="sng" algn="ctr">
+                      <a:solidFill>
+                        <a:srgbClr val="CCCCCC"/>
+                      </a:solidFill>
+                      <a:prstDash val="solid"/>
+                      <a:round/>
+                      <a:headEnd type="none" w="med" len="med"/>
+                      <a:tailEnd type="none" w="med" len="med"/>
+                    </a:lnL>
+                    <a:lnR w="9525" cap="flat" cmpd="sng" algn="ctr">
+                      <a:solidFill>
+                        <a:srgbClr val="CCCCCC"/>
+                      </a:solidFill>
+                      <a:prstDash val="solid"/>
+                      <a:round/>
+                      <a:headEnd type="none" w="med" len="med"/>
+                      <a:tailEnd type="none" w="med" len="med"/>
+                    </a:lnR>
+                    <a:lnT w="9525" cap="flat" cmpd="sng" algn="ctr">
+                      <a:solidFill>
+                        <a:srgbClr val="CCCCCC"/>
+                      </a:solidFill>
+                      <a:prstDash val="solid"/>
+                      <a:round/>
+                      <a:headEnd type="none" w="med" len="med"/>
+                      <a:tailEnd type="none" w="med" len="med"/>
+                    </a:lnT>
+                    <a:lnB w="9525" cap="flat" cmpd="sng" algn="ctr">
+                      <a:solidFill>
+                        <a:srgbClr val="CCCCCC"/>
+                      </a:solidFill>
+                      <a:prstDash val="solid"/>
+                      <a:round/>
+                      <a:headEnd type="none" w="med" len="med"/>
+                      <a:tailEnd type="none" w="med" len="med"/>
+                    </a:lnB>
+                  </a:tcPr>
+                </a:tc>
+                <a:tc>
+                  <a:txBody>
+                    <a:bodyPr/>
+                    <a:lstStyle/>
+                    <a:p>
+                      <a:pPr algn="r" rtl="0" fontAlgn="b"/>
+                      <a:r>
+                        <a:rPr lang="en-US" sz="1300" b="1">
+                          <a:effectLst/>
+                        </a:rPr>
+                        <a:t>2328</a:t>
+                      </a:r>
+                    </a:p>
+                  </a:txBody>
+                  <a:tcPr marL="20030" marR="20030" marT="13353" marB="13353" anchor="b">
+                    <a:lnL w="9525" cap="flat" cmpd="sng" algn="ctr">
+                      <a:solidFill>
+                        <a:srgbClr val="CCCCCC"/>
+                      </a:solidFill>
+                      <a:prstDash val="solid"/>
+                      <a:round/>
+                      <a:headEnd type="none" w="med" len="med"/>
+                      <a:tailEnd type="none" w="med" len="med"/>
+                    </a:lnL>
+                    <a:lnR w="9525" cap="flat" cmpd="sng" algn="ctr">
+                      <a:solidFill>
+                        <a:srgbClr val="CCCCCC"/>
+                      </a:solidFill>
+                      <a:prstDash val="solid"/>
+                      <a:round/>
+                      <a:headEnd type="none" w="med" len="med"/>
+                      <a:tailEnd type="none" w="med" len="med"/>
+                    </a:lnR>
+                    <a:lnT w="9525" cap="flat" cmpd="sng" algn="ctr">
+                      <a:solidFill>
+                        <a:srgbClr val="CCCCCC"/>
+                      </a:solidFill>
+                      <a:prstDash val="solid"/>
+                      <a:round/>
+                      <a:headEnd type="none" w="med" len="med"/>
+                      <a:tailEnd type="none" w="med" len="med"/>
+                    </a:lnT>
+                    <a:lnB w="9525" cap="flat" cmpd="sng" algn="ctr">
+                      <a:solidFill>
+                        <a:srgbClr val="CCCCCC"/>
+                      </a:solidFill>
+                      <a:prstDash val="solid"/>
+                      <a:round/>
+                      <a:headEnd type="none" w="med" len="med"/>
+                      <a:tailEnd type="none" w="med" len="med"/>
+                    </a:lnB>
+                  </a:tcPr>
+                </a:tc>
+                <a:tc>
+                  <a:txBody>
+                    <a:bodyPr/>
+                    <a:lstStyle/>
+                    <a:p>
+                      <a:pPr algn="r" rtl="0" fontAlgn="b"/>
+                      <a:r>
+                        <a:rPr lang="en-US" sz="1300" b="1">
+                          <a:effectLst/>
+                        </a:rPr>
+                        <a:t>31.52</a:t>
+                      </a:r>
+                    </a:p>
+                  </a:txBody>
+                  <a:tcPr marL="20030" marR="20030" marT="13353" marB="13353" anchor="b">
+                    <a:lnL w="9525" cap="flat" cmpd="sng" algn="ctr">
+                      <a:solidFill>
+                        <a:srgbClr val="CCCCCC"/>
+                      </a:solidFill>
+                      <a:prstDash val="solid"/>
+                      <a:round/>
+                      <a:headEnd type="none" w="med" len="med"/>
+                      <a:tailEnd type="none" w="med" len="med"/>
+                    </a:lnL>
+                    <a:lnR w="9525" cap="flat" cmpd="sng" algn="ctr">
+                      <a:solidFill>
+                        <a:srgbClr val="CCCCCC"/>
+                      </a:solidFill>
+                      <a:prstDash val="solid"/>
+                      <a:round/>
+                      <a:headEnd type="none" w="med" len="med"/>
+                      <a:tailEnd type="none" w="med" len="med"/>
+                    </a:lnR>
+                    <a:lnT w="9525" cap="flat" cmpd="sng" algn="ctr">
+                      <a:solidFill>
+                        <a:srgbClr val="CCCCCC"/>
+                      </a:solidFill>
+                      <a:prstDash val="solid"/>
+                      <a:round/>
+                      <a:headEnd type="none" w="med" len="med"/>
+                      <a:tailEnd type="none" w="med" len="med"/>
+                    </a:lnT>
+                    <a:lnB w="9525" cap="flat" cmpd="sng" algn="ctr">
+                      <a:solidFill>
+                        <a:srgbClr val="CCCCCC"/>
+                      </a:solidFill>
+                      <a:prstDash val="solid"/>
+                      <a:round/>
+                      <a:headEnd type="none" w="med" len="med"/>
+                      <a:tailEnd type="none" w="med" len="med"/>
+                    </a:lnB>
+                  </a:tcPr>
+                </a:tc>
+                <a:tc>
+                  <a:txBody>
+                    <a:bodyPr/>
+                    <a:lstStyle/>
+                    <a:p>
+                      <a:pPr algn="r" rtl="0" fontAlgn="b"/>
+                      <a:r>
+                        <a:rPr lang="en-US" sz="1300" b="1" dirty="0">
+                          <a:effectLst/>
+                        </a:rPr>
+                        <a:t>196.608</a:t>
+                      </a:r>
+                    </a:p>
+                  </a:txBody>
+                  <a:tcPr marL="20030" marR="20030" marT="13353" marB="13353" anchor="b">
+                    <a:lnL w="9525" cap="flat" cmpd="sng" algn="ctr">
+                      <a:solidFill>
+                        <a:srgbClr val="CCCCCC"/>
+                      </a:solidFill>
+                      <a:prstDash val="solid"/>
+                      <a:round/>
+                      <a:headEnd type="none" w="med" len="med"/>
+                      <a:tailEnd type="none" w="med" len="med"/>
+                    </a:lnL>
+                    <a:lnR w="9525" cap="flat" cmpd="sng" algn="ctr">
+                      <a:solidFill>
+                        <a:srgbClr val="CCCCCC"/>
+                      </a:solidFill>
+                      <a:prstDash val="solid"/>
+                      <a:round/>
+                      <a:headEnd type="none" w="med" len="med"/>
+                      <a:tailEnd type="none" w="med" len="med"/>
+                    </a:lnR>
+                    <a:lnT w="9525" cap="flat" cmpd="sng" algn="ctr">
+                      <a:solidFill>
+                        <a:srgbClr val="CCCCCC"/>
+                      </a:solidFill>
+                      <a:prstDash val="solid"/>
+                      <a:round/>
+                      <a:headEnd type="none" w="med" len="med"/>
+                      <a:tailEnd type="none" w="med" len="med"/>
+                    </a:lnT>
+                    <a:lnB w="9525" cap="flat" cmpd="sng" algn="ctr">
+                      <a:solidFill>
+                        <a:srgbClr val="CCCCCC"/>
+                      </a:solidFill>
+                      <a:prstDash val="solid"/>
+                      <a:round/>
+                      <a:headEnd type="none" w="med" len="med"/>
+                      <a:tailEnd type="none" w="med" len="med"/>
+                    </a:lnB>
+                  </a:tcPr>
+                </a:tc>
+                <a:extLst>
+                  <a:ext uri="{0D108BD9-81ED-4DB2-BD59-A6C34878D82A}">
+                    <a16:rowId xmlns:a16="http://schemas.microsoft.com/office/drawing/2014/main" val="2845367568"/>
+                  </a:ext>
+                </a:extLst>
+              </a:tr>
+            </a:tbl>
+          </a:graphicData>
+        </a:graphic>
+      </p:graphicFrame>
+      <p:sp>
+        <p:nvSpPr>
+          <p:cNvPr id="4" name="TextBox 3"/>
+          <p:cNvSpPr txBox="1"/>
+          <p:nvPr/>
+        </p:nvSpPr>
+        <p:spPr>
+          <a:xfrm>
+            <a:off x="2592880" y="6359857"/>
+            <a:ext cx="1596983" cy="369332"/>
+          </a:xfrm>
+          <a:prstGeom prst="rect">
+            <a:avLst/>
+          </a:prstGeom>
+          <a:noFill/>
+        </p:spPr>
+        <p:txBody>
+          <a:bodyPr wrap="square" rtlCol="0">
+            <a:spAutoFit/>
+          </a:bodyPr>
+          <a:lstStyle/>
+          <a:p>
+            <a:r>
+              <a:rPr lang="en-US" dirty="0" smtClean="0"/>
+              <a:t>70*48=3360W</a:t>
+            </a:r>
+            <a:endParaRPr lang="en-US" dirty="0"/>
+          </a:p>
+        </p:txBody>
+      </p:sp>
     </p:spTree>
     <p:extLst>
       <p:ext uri="{BB962C8B-B14F-4D97-AF65-F5344CB8AC3E}">
         <p14:creationId xmlns:p14="http://schemas.microsoft.com/office/powerpoint/2010/main" val="1516090519"/>
+      </p:ext>
+    </p:extLst>
+  </p:cSld>
+  <p:clrMapOvr>
+    <a:masterClrMapping/>
+  </p:clrMapOvr>
+  <p:timing>
+    <p:tnLst>
+      <p:par>
+        <p:cTn id="1" dur="indefinite" restart="never" nodeType="tmRoot"/>
+      </p:par>
+    </p:tnLst>
+  </p:timing>
+</p:sld>
+</file>
+
+<file path=ppt/slides/slide3.xml><?xml version="1.0" encoding="utf-8"?>
+<p:sld xmlns:a="http://schemas.openxmlformats.org/drawingml/2006/main" xmlns:r="http://schemas.openxmlformats.org/officeDocument/2006/relationships" xmlns:p="http://schemas.openxmlformats.org/presentationml/2006/main">
+  <p:cSld>
+    <p:spTree>
+      <p:nvGrpSpPr>
+        <p:cNvPr id="1" name=""/>
+        <p:cNvGrpSpPr/>
+        <p:nvPr/>
+      </p:nvGrpSpPr>
+      <p:grpSpPr>
+        <a:xfrm>
+          <a:off x="0" y="0"/>
+          <a:ext cx="0" cy="0"/>
+          <a:chOff x="0" y="0"/>
+          <a:chExt cx="0" cy="0"/>
+        </a:xfrm>
+      </p:grpSpPr>
+      <p:sp>
+        <p:nvSpPr>
+          <p:cNvPr id="18" name="Rectangle 17"/>
+          <p:cNvSpPr/>
+          <p:nvPr/>
+        </p:nvSpPr>
+        <p:spPr>
+          <a:xfrm>
+            <a:off x="9799090" y="2010927"/>
+            <a:ext cx="204718" cy="474557"/>
+          </a:xfrm>
+          <a:prstGeom prst="rect">
+            <a:avLst/>
+          </a:prstGeom>
+          <a:solidFill>
+            <a:srgbClr val="FFC000"/>
+          </a:solidFill>
+        </p:spPr>
+        <p:style>
+          <a:lnRef idx="2">
+            <a:schemeClr val="accent1">
+              <a:shade val="50000"/>
+            </a:schemeClr>
+          </a:lnRef>
+          <a:fillRef idx="1">
+            <a:schemeClr val="accent1"/>
+          </a:fillRef>
+          <a:effectRef idx="0">
+            <a:schemeClr val="accent1"/>
+          </a:effectRef>
+          <a:fontRef idx="minor">
+            <a:schemeClr val="lt1"/>
+          </a:fontRef>
+        </p:style>
+        <p:txBody>
+          <a:bodyPr rtlCol="0" anchor="ctr"/>
+          <a:lstStyle/>
+          <a:p>
+            <a:pPr algn="ctr"/>
+            <a:endParaRPr lang="en-US"/>
+          </a:p>
+        </p:txBody>
+      </p:sp>
+      <p:sp>
+        <p:nvSpPr>
+          <p:cNvPr id="20" name="Rectangle 19"/>
+          <p:cNvSpPr/>
+          <p:nvPr/>
+        </p:nvSpPr>
+        <p:spPr>
+          <a:xfrm>
+            <a:off x="9055290" y="1994665"/>
+            <a:ext cx="204718" cy="474557"/>
+          </a:xfrm>
+          <a:prstGeom prst="rect">
+            <a:avLst/>
+          </a:prstGeom>
+          <a:solidFill>
+            <a:srgbClr val="FFC000"/>
+          </a:solidFill>
+        </p:spPr>
+        <p:style>
+          <a:lnRef idx="2">
+            <a:schemeClr val="accent1">
+              <a:shade val="50000"/>
+            </a:schemeClr>
+          </a:lnRef>
+          <a:fillRef idx="1">
+            <a:schemeClr val="accent1"/>
+          </a:fillRef>
+          <a:effectRef idx="0">
+            <a:schemeClr val="accent1"/>
+          </a:effectRef>
+          <a:fontRef idx="minor">
+            <a:schemeClr val="lt1"/>
+          </a:fontRef>
+        </p:style>
+        <p:txBody>
+          <a:bodyPr rtlCol="0" anchor="ctr"/>
+          <a:lstStyle/>
+          <a:p>
+            <a:pPr algn="ctr"/>
+            <a:endParaRPr lang="en-US"/>
+          </a:p>
+        </p:txBody>
+      </p:sp>
+      <p:sp>
+        <p:nvSpPr>
+          <p:cNvPr id="19" name="Rectangle 18"/>
+          <p:cNvSpPr/>
+          <p:nvPr/>
+        </p:nvSpPr>
+        <p:spPr>
+          <a:xfrm>
+            <a:off x="9051873" y="1197675"/>
+            <a:ext cx="204718" cy="474557"/>
+          </a:xfrm>
+          <a:prstGeom prst="rect">
+            <a:avLst/>
+          </a:prstGeom>
+          <a:solidFill>
+            <a:srgbClr val="FFC000"/>
+          </a:solidFill>
+        </p:spPr>
+        <p:style>
+          <a:lnRef idx="2">
+            <a:schemeClr val="accent1">
+              <a:shade val="50000"/>
+            </a:schemeClr>
+          </a:lnRef>
+          <a:fillRef idx="1">
+            <a:schemeClr val="accent1"/>
+          </a:fillRef>
+          <a:effectRef idx="0">
+            <a:schemeClr val="accent1"/>
+          </a:effectRef>
+          <a:fontRef idx="minor">
+            <a:schemeClr val="lt1"/>
+          </a:fontRef>
+        </p:style>
+        <p:txBody>
+          <a:bodyPr rtlCol="0" anchor="ctr"/>
+          <a:lstStyle/>
+          <a:p>
+            <a:pPr algn="ctr"/>
+            <a:endParaRPr lang="en-US"/>
+          </a:p>
+        </p:txBody>
+      </p:sp>
+      <p:sp>
+        <p:nvSpPr>
+          <p:cNvPr id="17" name="Rectangle 16"/>
+          <p:cNvSpPr/>
+          <p:nvPr/>
+        </p:nvSpPr>
+        <p:spPr>
+          <a:xfrm>
+            <a:off x="9580725" y="1191037"/>
+            <a:ext cx="204718" cy="474557"/>
+          </a:xfrm>
+          <a:prstGeom prst="rect">
+            <a:avLst/>
+          </a:prstGeom>
+          <a:solidFill>
+            <a:srgbClr val="FFC000"/>
+          </a:solidFill>
+        </p:spPr>
+        <p:style>
+          <a:lnRef idx="2">
+            <a:schemeClr val="accent1">
+              <a:shade val="50000"/>
+            </a:schemeClr>
+          </a:lnRef>
+          <a:fillRef idx="1">
+            <a:schemeClr val="accent1"/>
+          </a:fillRef>
+          <a:effectRef idx="0">
+            <a:schemeClr val="accent1"/>
+          </a:effectRef>
+          <a:fontRef idx="minor">
+            <a:schemeClr val="lt1"/>
+          </a:fontRef>
+        </p:style>
+        <p:txBody>
+          <a:bodyPr rtlCol="0" anchor="ctr"/>
+          <a:lstStyle/>
+          <a:p>
+            <a:pPr algn="ctr"/>
+            <a:endParaRPr lang="en-US"/>
+          </a:p>
+        </p:txBody>
+      </p:sp>
+      <p:sp>
+        <p:nvSpPr>
+          <p:cNvPr id="14" name="Rectangle 13"/>
+          <p:cNvSpPr/>
+          <p:nvPr/>
+        </p:nvSpPr>
+        <p:spPr>
+          <a:xfrm>
+            <a:off x="7779224" y="3420938"/>
+            <a:ext cx="2142697" cy="177523"/>
+          </a:xfrm>
+          <a:prstGeom prst="rect">
+            <a:avLst/>
+          </a:prstGeom>
+          <a:solidFill>
+            <a:schemeClr val="bg1">
+              <a:lumMod val="75000"/>
+            </a:schemeClr>
+          </a:solidFill>
+        </p:spPr>
+        <p:style>
+          <a:lnRef idx="2">
+            <a:schemeClr val="accent1">
+              <a:shade val="50000"/>
+            </a:schemeClr>
+          </a:lnRef>
+          <a:fillRef idx="1">
+            <a:schemeClr val="accent1"/>
+          </a:fillRef>
+          <a:effectRef idx="0">
+            <a:schemeClr val="accent1"/>
+          </a:effectRef>
+          <a:fontRef idx="minor">
+            <a:schemeClr val="lt1"/>
+          </a:fontRef>
+        </p:style>
+        <p:txBody>
+          <a:bodyPr rtlCol="0" anchor="ctr"/>
+          <a:lstStyle/>
+          <a:p>
+            <a:pPr algn="ctr"/>
+            <a:endParaRPr lang="en-US"/>
+          </a:p>
+        </p:txBody>
+      </p:sp>
+      <p:sp>
+        <p:nvSpPr>
+          <p:cNvPr id="13" name="Rectangle 12"/>
+          <p:cNvSpPr/>
+          <p:nvPr/>
+        </p:nvSpPr>
+        <p:spPr>
+          <a:xfrm>
+            <a:off x="9403306" y="3246996"/>
+            <a:ext cx="436729" cy="533434"/>
+          </a:xfrm>
+          <a:prstGeom prst="rect">
+            <a:avLst/>
+          </a:prstGeom>
+          <a:solidFill>
+            <a:srgbClr val="FFC000"/>
+          </a:solidFill>
+        </p:spPr>
+        <p:style>
+          <a:lnRef idx="2">
+            <a:schemeClr val="accent1">
+              <a:shade val="50000"/>
+            </a:schemeClr>
+          </a:lnRef>
+          <a:fillRef idx="1">
+            <a:schemeClr val="accent1"/>
+          </a:fillRef>
+          <a:effectRef idx="0">
+            <a:schemeClr val="accent1"/>
+          </a:effectRef>
+          <a:fontRef idx="minor">
+            <a:schemeClr val="lt1"/>
+          </a:fontRef>
+        </p:style>
+        <p:txBody>
+          <a:bodyPr rtlCol="0" anchor="ctr"/>
+          <a:lstStyle/>
+          <a:p>
+            <a:pPr algn="ctr"/>
+            <a:endParaRPr lang="en-US"/>
+          </a:p>
+        </p:txBody>
+      </p:sp>
+      <p:sp>
+        <p:nvSpPr>
+          <p:cNvPr id="10" name="Rectangle 9"/>
+          <p:cNvSpPr/>
+          <p:nvPr/>
+        </p:nvSpPr>
+        <p:spPr>
+          <a:xfrm>
+            <a:off x="9034818" y="2152901"/>
+            <a:ext cx="1009934" cy="179695"/>
+          </a:xfrm>
+          <a:prstGeom prst="rect">
+            <a:avLst/>
+          </a:prstGeom>
+        </p:spPr>
+        <p:style>
+          <a:lnRef idx="2">
+            <a:schemeClr val="accent1">
+              <a:shade val="50000"/>
+            </a:schemeClr>
+          </a:lnRef>
+          <a:fillRef idx="1">
+            <a:schemeClr val="accent1"/>
+          </a:fillRef>
+          <a:effectRef idx="0">
+            <a:schemeClr val="accent1"/>
+          </a:effectRef>
+          <a:fontRef idx="minor">
+            <a:schemeClr val="lt1"/>
+          </a:fontRef>
+        </p:style>
+        <p:txBody>
+          <a:bodyPr rtlCol="0" anchor="ctr"/>
+          <a:lstStyle/>
+          <a:p>
+            <a:pPr algn="ctr"/>
+            <a:endParaRPr lang="en-US"/>
+          </a:p>
+        </p:txBody>
+      </p:sp>
+      <p:pic>
+        <p:nvPicPr>
+          <p:cNvPr id="4" name="Picture 3"/>
+          <p:cNvPicPr>
+            <a:picLocks noChangeAspect="1"/>
+          </p:cNvPicPr>
+          <p:nvPr/>
+        </p:nvPicPr>
+        <p:blipFill>
+          <a:blip r:embed="rId2"/>
+          <a:stretch>
+            <a:fillRect/>
+          </a:stretch>
+        </p:blipFill>
+        <p:spPr>
+          <a:xfrm rot="4254750">
+            <a:off x="400832" y="1582716"/>
+            <a:ext cx="3228975" cy="2000250"/>
+          </a:xfrm>
+          <a:prstGeom prst="rect">
+            <a:avLst/>
+          </a:prstGeom>
+        </p:spPr>
+      </p:pic>
+      <p:pic>
+        <p:nvPicPr>
+          <p:cNvPr id="5" name="Picture 4"/>
+          <p:cNvPicPr>
+            <a:picLocks noChangeAspect="1"/>
+          </p:cNvPicPr>
+          <p:nvPr/>
+        </p:nvPicPr>
+        <p:blipFill>
+          <a:blip r:embed="rId3"/>
+          <a:stretch>
+            <a:fillRect/>
+          </a:stretch>
+        </p:blipFill>
+        <p:spPr>
+          <a:xfrm>
+            <a:off x="2901562" y="455565"/>
+            <a:ext cx="3594773" cy="1892356"/>
+          </a:xfrm>
+          <a:prstGeom prst="rect">
+            <a:avLst/>
+          </a:prstGeom>
+        </p:spPr>
+      </p:pic>
+      <p:sp>
+        <p:nvSpPr>
+          <p:cNvPr id="6" name="Rectangle 5"/>
+          <p:cNvSpPr/>
+          <p:nvPr/>
+        </p:nvSpPr>
+        <p:spPr>
+          <a:xfrm>
+            <a:off x="7942997" y="1064525"/>
+            <a:ext cx="1064525" cy="709684"/>
+          </a:xfrm>
+          <a:prstGeom prst="rect">
+            <a:avLst/>
+          </a:prstGeom>
+        </p:spPr>
+        <p:style>
+          <a:lnRef idx="2">
+            <a:schemeClr val="accent1">
+              <a:shade val="50000"/>
+            </a:schemeClr>
+          </a:lnRef>
+          <a:fillRef idx="1">
+            <a:schemeClr val="accent1"/>
+          </a:fillRef>
+          <a:effectRef idx="0">
+            <a:schemeClr val="accent1"/>
+          </a:effectRef>
+          <a:fontRef idx="minor">
+            <a:schemeClr val="lt1"/>
+          </a:fontRef>
+        </p:style>
+        <p:txBody>
+          <a:bodyPr rtlCol="0" anchor="ctr"/>
+          <a:lstStyle/>
+          <a:p>
+            <a:pPr algn="ctr"/>
+            <a:endParaRPr lang="en-US"/>
+          </a:p>
+        </p:txBody>
+      </p:sp>
+      <p:sp>
+        <p:nvSpPr>
+          <p:cNvPr id="7" name="Rectangle 6"/>
+          <p:cNvSpPr/>
+          <p:nvPr/>
+        </p:nvSpPr>
+        <p:spPr>
+          <a:xfrm>
+            <a:off x="9007522" y="1353403"/>
+            <a:ext cx="791568" cy="169313"/>
+          </a:xfrm>
+          <a:prstGeom prst="rect">
+            <a:avLst/>
+          </a:prstGeom>
+        </p:spPr>
+        <p:style>
+          <a:lnRef idx="2">
+            <a:schemeClr val="accent1">
+              <a:shade val="50000"/>
+            </a:schemeClr>
+          </a:lnRef>
+          <a:fillRef idx="1">
+            <a:schemeClr val="accent1"/>
+          </a:fillRef>
+          <a:effectRef idx="0">
+            <a:schemeClr val="accent1"/>
+          </a:effectRef>
+          <a:fontRef idx="minor">
+            <a:schemeClr val="lt1"/>
+          </a:fontRef>
+        </p:style>
+        <p:txBody>
+          <a:bodyPr rtlCol="0" anchor="ctr"/>
+          <a:lstStyle/>
+          <a:p>
+            <a:pPr algn="ctr"/>
+            <a:endParaRPr lang="en-US"/>
+          </a:p>
+        </p:txBody>
+      </p:sp>
+      <p:sp>
+        <p:nvSpPr>
+          <p:cNvPr id="8" name="Rectangle 7"/>
+          <p:cNvSpPr/>
+          <p:nvPr/>
+        </p:nvSpPr>
+        <p:spPr>
+          <a:xfrm>
+            <a:off x="9287301" y="1148117"/>
+            <a:ext cx="232011" cy="531125"/>
+          </a:xfrm>
+          <a:prstGeom prst="rect">
+            <a:avLst/>
+          </a:prstGeom>
+          <a:solidFill>
+            <a:srgbClr val="FFFF00"/>
+          </a:solidFill>
+        </p:spPr>
+        <p:style>
+          <a:lnRef idx="2">
+            <a:schemeClr val="accent1">
+              <a:shade val="50000"/>
+            </a:schemeClr>
+          </a:lnRef>
+          <a:fillRef idx="1">
+            <a:schemeClr val="accent1"/>
+          </a:fillRef>
+          <a:effectRef idx="0">
+            <a:schemeClr val="accent1"/>
+          </a:effectRef>
+          <a:fontRef idx="minor">
+            <a:schemeClr val="lt1"/>
+          </a:fontRef>
+        </p:style>
+        <p:txBody>
+          <a:bodyPr rtlCol="0" anchor="ctr"/>
+          <a:lstStyle/>
+          <a:p>
+            <a:pPr algn="ctr"/>
+            <a:endParaRPr lang="en-US"/>
+          </a:p>
+        </p:txBody>
+      </p:sp>
+      <p:sp>
+        <p:nvSpPr>
+          <p:cNvPr id="9" name="Rectangle 8"/>
+          <p:cNvSpPr/>
+          <p:nvPr/>
+        </p:nvSpPr>
+        <p:spPr>
+          <a:xfrm>
+            <a:off x="9287301" y="1679748"/>
+            <a:ext cx="232011" cy="1158986"/>
+          </a:xfrm>
+          <a:prstGeom prst="rect">
+            <a:avLst/>
+          </a:prstGeom>
+          <a:solidFill>
+            <a:srgbClr val="FFFF00"/>
+          </a:solidFill>
+        </p:spPr>
+        <p:style>
+          <a:lnRef idx="2">
+            <a:schemeClr val="accent1">
+              <a:shade val="50000"/>
+            </a:schemeClr>
+          </a:lnRef>
+          <a:fillRef idx="1">
+            <a:schemeClr val="accent1"/>
+          </a:fillRef>
+          <a:effectRef idx="0">
+            <a:schemeClr val="accent1"/>
+          </a:effectRef>
+          <a:fontRef idx="minor">
+            <a:schemeClr val="lt1"/>
+          </a:fontRef>
+        </p:style>
+        <p:txBody>
+          <a:bodyPr rtlCol="0" anchor="ctr"/>
+          <a:lstStyle/>
+          <a:p>
+            <a:pPr algn="ctr"/>
+            <a:endParaRPr lang="en-US"/>
+          </a:p>
+        </p:txBody>
+      </p:sp>
+      <p:sp>
+        <p:nvSpPr>
+          <p:cNvPr id="11" name="Rectangle 10"/>
+          <p:cNvSpPr/>
+          <p:nvPr/>
+        </p:nvSpPr>
+        <p:spPr>
+          <a:xfrm>
+            <a:off x="9519312" y="1966382"/>
+            <a:ext cx="232011" cy="531125"/>
+          </a:xfrm>
+          <a:prstGeom prst="rect">
+            <a:avLst/>
+          </a:prstGeom>
+          <a:solidFill>
+            <a:schemeClr val="accent6">
+              <a:lumMod val="60000"/>
+              <a:lumOff val="40000"/>
+            </a:schemeClr>
+          </a:solidFill>
+        </p:spPr>
+        <p:style>
+          <a:lnRef idx="2">
+            <a:schemeClr val="accent1">
+              <a:shade val="50000"/>
+            </a:schemeClr>
+          </a:lnRef>
+          <a:fillRef idx="1">
+            <a:schemeClr val="accent1"/>
+          </a:fillRef>
+          <a:effectRef idx="0">
+            <a:schemeClr val="accent1"/>
+          </a:effectRef>
+          <a:fontRef idx="minor">
+            <a:schemeClr val="lt1"/>
+          </a:fontRef>
+        </p:style>
+        <p:txBody>
+          <a:bodyPr rtlCol="0" anchor="ctr"/>
+          <a:lstStyle/>
+          <a:p>
+            <a:pPr algn="ctr"/>
+            <a:endParaRPr lang="en-US"/>
+          </a:p>
+        </p:txBody>
+      </p:sp>
+      <p:sp>
+        <p:nvSpPr>
+          <p:cNvPr id="12" name="Rectangle 11"/>
+          <p:cNvSpPr/>
+          <p:nvPr/>
+        </p:nvSpPr>
+        <p:spPr>
+          <a:xfrm>
+            <a:off x="9519312" y="2487269"/>
+            <a:ext cx="232011" cy="1948349"/>
+          </a:xfrm>
+          <a:prstGeom prst="rect">
+            <a:avLst/>
+          </a:prstGeom>
+          <a:solidFill>
+            <a:srgbClr val="92D050"/>
+          </a:solidFill>
+        </p:spPr>
+        <p:style>
+          <a:lnRef idx="2">
+            <a:schemeClr val="accent1">
+              <a:shade val="50000"/>
+            </a:schemeClr>
+          </a:lnRef>
+          <a:fillRef idx="1">
+            <a:schemeClr val="accent1"/>
+          </a:fillRef>
+          <a:effectRef idx="0">
+            <a:schemeClr val="accent1"/>
+          </a:effectRef>
+          <a:fontRef idx="minor">
+            <a:schemeClr val="lt1"/>
+          </a:fontRef>
+        </p:style>
+        <p:txBody>
+          <a:bodyPr rtlCol="0" anchor="ctr"/>
+          <a:lstStyle/>
+          <a:p>
+            <a:pPr algn="ctr"/>
+            <a:endParaRPr lang="en-US"/>
+          </a:p>
+        </p:txBody>
+      </p:sp>
+      <p:sp>
+        <p:nvSpPr>
+          <p:cNvPr id="15" name="Rectangle 14"/>
+          <p:cNvSpPr/>
+          <p:nvPr/>
+        </p:nvSpPr>
+        <p:spPr>
+          <a:xfrm>
+            <a:off x="9751323" y="2783491"/>
+            <a:ext cx="539089" cy="165498"/>
+          </a:xfrm>
+          <a:prstGeom prst="rect">
+            <a:avLst/>
+          </a:prstGeom>
+          <a:solidFill>
+            <a:schemeClr val="bg1">
+              <a:lumMod val="75000"/>
+            </a:schemeClr>
+          </a:solidFill>
+        </p:spPr>
+        <p:style>
+          <a:lnRef idx="2">
+            <a:schemeClr val="accent1">
+              <a:shade val="50000"/>
+            </a:schemeClr>
+          </a:lnRef>
+          <a:fillRef idx="1">
+            <a:schemeClr val="accent1"/>
+          </a:fillRef>
+          <a:effectRef idx="0">
+            <a:schemeClr val="accent1"/>
+          </a:effectRef>
+          <a:fontRef idx="minor">
+            <a:schemeClr val="lt1"/>
+          </a:fontRef>
+        </p:style>
+        <p:txBody>
+          <a:bodyPr rtlCol="0" anchor="ctr"/>
+          <a:lstStyle/>
+          <a:p>
+            <a:pPr algn="ctr"/>
+            <a:endParaRPr lang="en-US"/>
+          </a:p>
+        </p:txBody>
+      </p:sp>
+      <p:sp>
+        <p:nvSpPr>
+          <p:cNvPr id="16" name="Rectangle 15"/>
+          <p:cNvSpPr/>
+          <p:nvPr/>
+        </p:nvSpPr>
+        <p:spPr>
+          <a:xfrm>
+            <a:off x="9751323" y="3987661"/>
+            <a:ext cx="539089" cy="165498"/>
+          </a:xfrm>
+          <a:prstGeom prst="rect">
+            <a:avLst/>
+          </a:prstGeom>
+          <a:solidFill>
+            <a:schemeClr val="bg1">
+              <a:lumMod val="75000"/>
+            </a:schemeClr>
+          </a:solidFill>
+        </p:spPr>
+        <p:style>
+          <a:lnRef idx="2">
+            <a:schemeClr val="accent1">
+              <a:shade val="50000"/>
+            </a:schemeClr>
+          </a:lnRef>
+          <a:fillRef idx="1">
+            <a:schemeClr val="accent1"/>
+          </a:fillRef>
+          <a:effectRef idx="0">
+            <a:schemeClr val="accent1"/>
+          </a:effectRef>
+          <a:fontRef idx="minor">
+            <a:schemeClr val="lt1"/>
+          </a:fontRef>
+        </p:style>
+        <p:txBody>
+          <a:bodyPr rtlCol="0" anchor="ctr"/>
+          <a:lstStyle/>
+          <a:p>
+            <a:pPr algn="ctr"/>
+            <a:endParaRPr lang="en-US"/>
+          </a:p>
+        </p:txBody>
+      </p:sp>
+    </p:spTree>
+    <p:extLst>
+      <p:ext uri="{BB962C8B-B14F-4D97-AF65-F5344CB8AC3E}">
+        <p14:creationId xmlns:p14="http://schemas.microsoft.com/office/powerpoint/2010/main" val="189331772"/>
+      </p:ext>
+    </p:extLst>
+  </p:cSld>
+  <p:clrMapOvr>
+    <a:masterClrMapping/>
+  </p:clrMapOvr>
+  <p:timing>
+    <p:tnLst>
+      <p:par>
+        <p:cTn id="1" dur="indefinite" restart="never" nodeType="tmRoot"/>
+      </p:par>
+    </p:tnLst>
+  </p:timing>
+</p:sld>
+</file>
+
+<file path=ppt/slides/slide4.xml><?xml version="1.0" encoding="utf-8"?>
+<p:sld xmlns:a="http://schemas.openxmlformats.org/drawingml/2006/main" xmlns:r="http://schemas.openxmlformats.org/officeDocument/2006/relationships" xmlns:p="http://schemas.openxmlformats.org/presentationml/2006/main">
+  <p:cSld>
+    <p:spTree>
+      <p:nvGrpSpPr>
+        <p:cNvPr id="1" name=""/>
+        <p:cNvGrpSpPr/>
+        <p:nvPr/>
+      </p:nvGrpSpPr>
+      <p:grpSpPr>
+        <a:xfrm>
+          <a:off x="0" y="0"/>
+          <a:ext cx="0" cy="0"/>
+          <a:chOff x="0" y="0"/>
+          <a:chExt cx="0" cy="0"/>
+        </a:xfrm>
+      </p:grpSpPr>
+      <p:sp>
+        <p:nvSpPr>
+          <p:cNvPr id="9" name="Rectangle 8"/>
+          <p:cNvSpPr/>
+          <p:nvPr/>
+        </p:nvSpPr>
+        <p:spPr>
+          <a:xfrm>
+            <a:off x="1323836" y="1180532"/>
+            <a:ext cx="2402006" cy="3473356"/>
+          </a:xfrm>
+          <a:prstGeom prst="rect">
+            <a:avLst/>
+          </a:prstGeom>
+          <a:solidFill>
+            <a:schemeClr val="accent2">
+              <a:lumMod val="60000"/>
+              <a:lumOff val="40000"/>
+            </a:schemeClr>
+          </a:solidFill>
+        </p:spPr>
+        <p:style>
+          <a:lnRef idx="2">
+            <a:schemeClr val="accent1">
+              <a:shade val="50000"/>
+            </a:schemeClr>
+          </a:lnRef>
+          <a:fillRef idx="1">
+            <a:schemeClr val="accent1"/>
+          </a:fillRef>
+          <a:effectRef idx="0">
+            <a:schemeClr val="accent1"/>
+          </a:effectRef>
+          <a:fontRef idx="minor">
+            <a:schemeClr val="lt1"/>
+          </a:fontRef>
+        </p:style>
+        <p:txBody>
+          <a:bodyPr rtlCol="0" anchor="ctr"/>
+          <a:lstStyle/>
+          <a:p>
+            <a:pPr algn="ctr"/>
+            <a:r>
+              <a:rPr lang="en-US" dirty="0" err="1" smtClean="0">
+                <a:solidFill>
+                  <a:schemeClr val="tx1"/>
+                </a:solidFill>
+              </a:rPr>
+              <a:t>Pixhawk</a:t>
+            </a:r>
+            <a:endParaRPr lang="en-US" dirty="0" smtClean="0">
+              <a:solidFill>
+                <a:schemeClr val="tx1"/>
+              </a:solidFill>
+            </a:endParaRPr>
+          </a:p>
+          <a:p>
+            <a:pPr algn="ctr"/>
+            <a:r>
+              <a:rPr lang="en-US" dirty="0" smtClean="0">
+                <a:solidFill>
+                  <a:schemeClr val="tx1"/>
+                </a:solidFill>
+              </a:rPr>
+              <a:t>Flight controller</a:t>
+            </a:r>
+          </a:p>
+          <a:p>
+            <a:pPr algn="ctr"/>
+            <a:endParaRPr lang="en-US" dirty="0">
+              <a:solidFill>
+                <a:schemeClr val="tx1"/>
+              </a:solidFill>
+            </a:endParaRPr>
+          </a:p>
+          <a:p>
+            <a:pPr algn="ctr"/>
+            <a:endParaRPr lang="en-US" dirty="0" smtClean="0">
+              <a:solidFill>
+                <a:schemeClr val="tx1"/>
+              </a:solidFill>
+            </a:endParaRPr>
+          </a:p>
+          <a:p>
+            <a:pPr algn="ctr"/>
+            <a:endParaRPr lang="en-US" dirty="0">
+              <a:solidFill>
+                <a:schemeClr val="tx1"/>
+              </a:solidFill>
+            </a:endParaRPr>
+          </a:p>
+          <a:p>
+            <a:pPr algn="ctr"/>
+            <a:endParaRPr lang="en-US" dirty="0" smtClean="0">
+              <a:solidFill>
+                <a:schemeClr val="tx1"/>
+              </a:solidFill>
+            </a:endParaRPr>
+          </a:p>
+          <a:p>
+            <a:pPr algn="ctr"/>
+            <a:endParaRPr lang="en-US" dirty="0">
+              <a:solidFill>
+                <a:schemeClr val="tx1"/>
+              </a:solidFill>
+            </a:endParaRPr>
+          </a:p>
+          <a:p>
+            <a:pPr algn="ctr"/>
+            <a:endParaRPr lang="en-US" dirty="0" smtClean="0">
+              <a:solidFill>
+                <a:schemeClr val="tx1"/>
+              </a:solidFill>
+            </a:endParaRPr>
+          </a:p>
+          <a:p>
+            <a:pPr algn="ctr"/>
+            <a:endParaRPr lang="en-US" dirty="0">
+              <a:solidFill>
+                <a:schemeClr val="tx1"/>
+              </a:solidFill>
+            </a:endParaRPr>
+          </a:p>
+          <a:p>
+            <a:pPr algn="ctr"/>
+            <a:endParaRPr lang="en-US" dirty="0" smtClean="0">
+              <a:solidFill>
+                <a:schemeClr val="tx1"/>
+              </a:solidFill>
+            </a:endParaRPr>
+          </a:p>
+          <a:p>
+            <a:pPr algn="ctr"/>
+            <a:endParaRPr lang="en-US" dirty="0">
+              <a:solidFill>
+                <a:schemeClr val="tx1"/>
+              </a:solidFill>
+            </a:endParaRPr>
+          </a:p>
+          <a:p>
+            <a:pPr algn="ctr"/>
+            <a:endParaRPr lang="en-US" dirty="0">
+              <a:solidFill>
+                <a:schemeClr val="tx1"/>
+              </a:solidFill>
+            </a:endParaRPr>
+          </a:p>
+        </p:txBody>
+      </p:sp>
+      <p:sp>
+        <p:nvSpPr>
+          <p:cNvPr id="4" name="TextBox 3"/>
+          <p:cNvSpPr txBox="1"/>
+          <p:nvPr/>
+        </p:nvSpPr>
+        <p:spPr>
+          <a:xfrm>
+            <a:off x="6632812" y="1601001"/>
+            <a:ext cx="2006221" cy="2862322"/>
+          </a:xfrm>
+          <a:prstGeom prst="rect">
+            <a:avLst/>
+          </a:prstGeom>
+          <a:solidFill>
+            <a:schemeClr val="accent1">
+              <a:lumMod val="60000"/>
+              <a:lumOff val="40000"/>
+            </a:schemeClr>
+          </a:solidFill>
+        </p:spPr>
+        <p:txBody>
+          <a:bodyPr wrap="square" rtlCol="0">
+            <a:spAutoFit/>
+          </a:bodyPr>
+          <a:lstStyle/>
+          <a:p>
+            <a:pPr algn="ctr"/>
+            <a:endParaRPr lang="en-US" dirty="0" smtClean="0"/>
+          </a:p>
+          <a:p>
+            <a:pPr algn="ctr"/>
+            <a:endParaRPr lang="en-US" dirty="0" smtClean="0"/>
+          </a:p>
+          <a:p>
+            <a:pPr algn="ctr"/>
+            <a:endParaRPr lang="en-US" dirty="0"/>
+          </a:p>
+          <a:p>
+            <a:pPr algn="ctr"/>
+            <a:endParaRPr lang="en-US" dirty="0" smtClean="0"/>
+          </a:p>
+          <a:p>
+            <a:pPr algn="ctr"/>
+            <a:r>
+              <a:rPr lang="en-US" dirty="0" smtClean="0"/>
+              <a:t>Jetson Nano</a:t>
+            </a:r>
+          </a:p>
+          <a:p>
+            <a:pPr algn="ctr"/>
+            <a:endParaRPr lang="en-US" dirty="0"/>
+          </a:p>
+          <a:p>
+            <a:pPr algn="ctr"/>
+            <a:endParaRPr lang="en-US" dirty="0" smtClean="0"/>
+          </a:p>
+          <a:p>
+            <a:pPr algn="ctr"/>
+            <a:endParaRPr lang="en-US" dirty="0" smtClean="0"/>
+          </a:p>
+          <a:p>
+            <a:pPr algn="ctr"/>
+            <a:endParaRPr lang="en-US" dirty="0"/>
+          </a:p>
+          <a:p>
+            <a:pPr algn="ctr"/>
+            <a:endParaRPr lang="en-US" dirty="0"/>
+          </a:p>
+        </p:txBody>
+      </p:sp>
+      <p:sp>
+        <p:nvSpPr>
+          <p:cNvPr id="5" name="TextBox 4"/>
+          <p:cNvSpPr txBox="1"/>
+          <p:nvPr/>
+        </p:nvSpPr>
+        <p:spPr>
+          <a:xfrm>
+            <a:off x="1559256" y="2098723"/>
+            <a:ext cx="2006221" cy="1754326"/>
+          </a:xfrm>
+          <a:prstGeom prst="rect">
+            <a:avLst/>
+          </a:prstGeom>
+          <a:solidFill>
+            <a:schemeClr val="accent1">
+              <a:lumMod val="60000"/>
+              <a:lumOff val="40000"/>
+            </a:schemeClr>
+          </a:solidFill>
+        </p:spPr>
+        <p:txBody>
+          <a:bodyPr wrap="square" rtlCol="0">
+            <a:spAutoFit/>
+          </a:bodyPr>
+          <a:lstStyle/>
+          <a:p>
+            <a:pPr algn="ctr"/>
+            <a:endParaRPr lang="en-US" dirty="0" smtClean="0"/>
+          </a:p>
+          <a:p>
+            <a:pPr algn="ctr"/>
+            <a:endParaRPr lang="en-US" dirty="0" smtClean="0"/>
+          </a:p>
+          <a:p>
+            <a:pPr algn="ctr"/>
+            <a:r>
+              <a:rPr lang="en-US" dirty="0" smtClean="0"/>
+              <a:t>Electronic compass</a:t>
+            </a:r>
+          </a:p>
+          <a:p>
+            <a:pPr algn="ctr"/>
+            <a:r>
+              <a:rPr lang="en-US" dirty="0" smtClean="0"/>
+              <a:t>Acceleration</a:t>
+            </a:r>
+          </a:p>
+          <a:p>
+            <a:pPr algn="ctr"/>
+            <a:endParaRPr lang="en-US" dirty="0"/>
+          </a:p>
+          <a:p>
+            <a:pPr algn="ctr"/>
+            <a:endParaRPr lang="en-US" dirty="0"/>
+          </a:p>
+        </p:txBody>
+      </p:sp>
+      <p:sp>
+        <p:nvSpPr>
+          <p:cNvPr id="6" name="TextBox 5"/>
+          <p:cNvSpPr txBox="1"/>
+          <p:nvPr/>
+        </p:nvSpPr>
+        <p:spPr>
+          <a:xfrm>
+            <a:off x="58005" y="311352"/>
+            <a:ext cx="5308979" cy="523220"/>
+          </a:xfrm>
+          <a:prstGeom prst="rect">
+            <a:avLst/>
+          </a:prstGeom>
+          <a:noFill/>
+        </p:spPr>
+        <p:txBody>
+          <a:bodyPr wrap="square" rtlCol="0">
+            <a:spAutoFit/>
+          </a:bodyPr>
+          <a:lstStyle/>
+          <a:p>
+            <a:r>
+              <a:rPr lang="en-US" sz="2800" b="1" dirty="0" smtClean="0"/>
+              <a:t>Electric block diagram</a:t>
+            </a:r>
+            <a:endParaRPr lang="en-US" sz="2800" b="1" dirty="0"/>
+          </a:p>
+        </p:txBody>
+      </p:sp>
+      <p:sp>
+        <p:nvSpPr>
+          <p:cNvPr id="7" name="TextBox 6"/>
+          <p:cNvSpPr txBox="1"/>
+          <p:nvPr/>
+        </p:nvSpPr>
+        <p:spPr>
+          <a:xfrm>
+            <a:off x="1559256" y="5822457"/>
+            <a:ext cx="2006221" cy="923330"/>
+          </a:xfrm>
+          <a:prstGeom prst="rect">
+            <a:avLst/>
+          </a:prstGeom>
+          <a:solidFill>
+            <a:schemeClr val="accent1">
+              <a:lumMod val="60000"/>
+              <a:lumOff val="40000"/>
+            </a:schemeClr>
+          </a:solidFill>
+        </p:spPr>
+        <p:txBody>
+          <a:bodyPr wrap="square" rtlCol="0">
+            <a:spAutoFit/>
+          </a:bodyPr>
+          <a:lstStyle/>
+          <a:p>
+            <a:pPr algn="ctr"/>
+            <a:endParaRPr lang="en-US" dirty="0" smtClean="0"/>
+          </a:p>
+          <a:p>
+            <a:pPr algn="ctr"/>
+            <a:r>
+              <a:rPr lang="en-US" dirty="0" smtClean="0"/>
+              <a:t>GPS</a:t>
+            </a:r>
+            <a:endParaRPr lang="en-US" dirty="0"/>
+          </a:p>
+          <a:p>
+            <a:pPr algn="ctr"/>
+            <a:endParaRPr lang="en-US" dirty="0"/>
+          </a:p>
+        </p:txBody>
+      </p:sp>
+      <p:sp>
+        <p:nvSpPr>
+          <p:cNvPr id="8" name="TextBox 7"/>
+          <p:cNvSpPr txBox="1"/>
+          <p:nvPr/>
+        </p:nvSpPr>
+        <p:spPr>
+          <a:xfrm>
+            <a:off x="9724030" y="2570497"/>
+            <a:ext cx="2006221" cy="923330"/>
+          </a:xfrm>
+          <a:prstGeom prst="rect">
+            <a:avLst/>
+          </a:prstGeom>
+          <a:solidFill>
+            <a:schemeClr val="accent1">
+              <a:lumMod val="60000"/>
+              <a:lumOff val="40000"/>
+            </a:schemeClr>
+          </a:solidFill>
+        </p:spPr>
+        <p:txBody>
+          <a:bodyPr wrap="square" rtlCol="0">
+            <a:spAutoFit/>
+          </a:bodyPr>
+          <a:lstStyle/>
+          <a:p>
+            <a:pPr algn="ctr"/>
+            <a:endParaRPr lang="en-US" dirty="0" smtClean="0"/>
+          </a:p>
+          <a:p>
+            <a:pPr algn="ctr"/>
+            <a:r>
+              <a:rPr lang="en-US" dirty="0" smtClean="0"/>
+              <a:t>Camera</a:t>
+            </a:r>
+            <a:endParaRPr lang="en-US" dirty="0"/>
+          </a:p>
+          <a:p>
+            <a:pPr algn="ctr"/>
+            <a:endParaRPr lang="en-US" dirty="0"/>
+          </a:p>
+        </p:txBody>
+      </p:sp>
+      <p:sp>
+        <p:nvSpPr>
+          <p:cNvPr id="10" name="TextBox 9"/>
+          <p:cNvSpPr txBox="1"/>
+          <p:nvPr/>
+        </p:nvSpPr>
+        <p:spPr>
+          <a:xfrm>
+            <a:off x="6653284" y="5451357"/>
+            <a:ext cx="2006221" cy="923330"/>
+          </a:xfrm>
+          <a:prstGeom prst="rect">
+            <a:avLst/>
+          </a:prstGeom>
+          <a:solidFill>
+            <a:schemeClr val="accent1">
+              <a:lumMod val="60000"/>
+              <a:lumOff val="40000"/>
+            </a:schemeClr>
+          </a:solidFill>
+        </p:spPr>
+        <p:txBody>
+          <a:bodyPr wrap="square" rtlCol="0">
+            <a:spAutoFit/>
+          </a:bodyPr>
+          <a:lstStyle/>
+          <a:p>
+            <a:pPr algn="ctr"/>
+            <a:endParaRPr lang="en-US" dirty="0" smtClean="0"/>
+          </a:p>
+          <a:p>
+            <a:pPr algn="ctr"/>
+            <a:r>
+              <a:rPr lang="en-US" dirty="0" smtClean="0"/>
+              <a:t>Motor controller</a:t>
+            </a:r>
+            <a:endParaRPr lang="en-US" dirty="0"/>
+          </a:p>
+          <a:p>
+            <a:pPr algn="ctr"/>
+            <a:endParaRPr lang="en-US" dirty="0"/>
+          </a:p>
+        </p:txBody>
+      </p:sp>
+      <p:sp>
+        <p:nvSpPr>
+          <p:cNvPr id="11" name="Right Arrow 10"/>
+          <p:cNvSpPr/>
+          <p:nvPr/>
+        </p:nvSpPr>
+        <p:spPr>
+          <a:xfrm flipH="1">
+            <a:off x="8720920" y="2736880"/>
+            <a:ext cx="846162" cy="590564"/>
+          </a:xfrm>
+          <a:prstGeom prst="rightArrow">
+            <a:avLst/>
+          </a:prstGeom>
+        </p:spPr>
+        <p:style>
+          <a:lnRef idx="2">
+            <a:schemeClr val="accent1">
+              <a:shade val="50000"/>
+            </a:schemeClr>
+          </a:lnRef>
+          <a:fillRef idx="1">
+            <a:schemeClr val="accent1"/>
+          </a:fillRef>
+          <a:effectRef idx="0">
+            <a:schemeClr val="accent1"/>
+          </a:effectRef>
+          <a:fontRef idx="minor">
+            <a:schemeClr val="lt1"/>
+          </a:fontRef>
+        </p:style>
+        <p:txBody>
+          <a:bodyPr rtlCol="0" anchor="ctr"/>
+          <a:lstStyle/>
+          <a:p>
+            <a:pPr algn="ctr"/>
+            <a:endParaRPr lang="en-US"/>
+          </a:p>
+        </p:txBody>
+      </p:sp>
+      <p:sp>
+        <p:nvSpPr>
+          <p:cNvPr id="12" name="Right Arrow 11"/>
+          <p:cNvSpPr/>
+          <p:nvPr/>
+        </p:nvSpPr>
+        <p:spPr>
+          <a:xfrm rot="16200000" flipH="1">
+            <a:off x="7212841" y="4662058"/>
+            <a:ext cx="846162" cy="590564"/>
+          </a:xfrm>
+          <a:prstGeom prst="rightArrow">
+            <a:avLst/>
+          </a:prstGeom>
+        </p:spPr>
+        <p:style>
+          <a:lnRef idx="2">
+            <a:schemeClr val="accent1">
+              <a:shade val="50000"/>
+            </a:schemeClr>
+          </a:lnRef>
+          <a:fillRef idx="1">
+            <a:schemeClr val="accent1"/>
+          </a:fillRef>
+          <a:effectRef idx="0">
+            <a:schemeClr val="accent1"/>
+          </a:effectRef>
+          <a:fontRef idx="minor">
+            <a:schemeClr val="lt1"/>
+          </a:fontRef>
+        </p:style>
+        <p:txBody>
+          <a:bodyPr rtlCol="0" anchor="ctr"/>
+          <a:lstStyle/>
+          <a:p>
+            <a:pPr algn="ctr"/>
+            <a:endParaRPr lang="en-US"/>
+          </a:p>
+        </p:txBody>
+      </p:sp>
+      <p:sp>
+        <p:nvSpPr>
+          <p:cNvPr id="13" name="Right Arrow 12"/>
+          <p:cNvSpPr/>
+          <p:nvPr/>
+        </p:nvSpPr>
+        <p:spPr>
+          <a:xfrm rot="10800000" flipH="1">
+            <a:off x="8877868" y="5614199"/>
+            <a:ext cx="846162" cy="298823"/>
+          </a:xfrm>
+          <a:prstGeom prst="rightArrow">
+            <a:avLst/>
+          </a:prstGeom>
+        </p:spPr>
+        <p:style>
+          <a:lnRef idx="2">
+            <a:schemeClr val="accent1">
+              <a:shade val="50000"/>
+            </a:schemeClr>
+          </a:lnRef>
+          <a:fillRef idx="1">
+            <a:schemeClr val="accent1"/>
+          </a:fillRef>
+          <a:effectRef idx="0">
+            <a:schemeClr val="accent1"/>
+          </a:effectRef>
+          <a:fontRef idx="minor">
+            <a:schemeClr val="lt1"/>
+          </a:fontRef>
+        </p:style>
+        <p:txBody>
+          <a:bodyPr rtlCol="0" anchor="ctr"/>
+          <a:lstStyle/>
+          <a:p>
+            <a:pPr algn="ctr"/>
+            <a:endParaRPr lang="en-US"/>
+          </a:p>
+        </p:txBody>
+      </p:sp>
+      <p:sp>
+        <p:nvSpPr>
+          <p:cNvPr id="14" name="TextBox 13"/>
+          <p:cNvSpPr txBox="1"/>
+          <p:nvPr/>
+        </p:nvSpPr>
+        <p:spPr>
+          <a:xfrm>
+            <a:off x="9724030" y="5451357"/>
+            <a:ext cx="2006221" cy="923330"/>
+          </a:xfrm>
+          <a:prstGeom prst="rect">
+            <a:avLst/>
+          </a:prstGeom>
+          <a:solidFill>
+            <a:schemeClr val="accent1">
+              <a:lumMod val="60000"/>
+              <a:lumOff val="40000"/>
+            </a:schemeClr>
+          </a:solidFill>
+        </p:spPr>
+        <p:txBody>
+          <a:bodyPr wrap="square" rtlCol="0">
+            <a:spAutoFit/>
+          </a:bodyPr>
+          <a:lstStyle/>
+          <a:p>
+            <a:pPr algn="ctr"/>
+            <a:endParaRPr lang="en-US" dirty="0" smtClean="0"/>
+          </a:p>
+          <a:p>
+            <a:pPr algn="ctr"/>
+            <a:r>
+              <a:rPr lang="en-US" dirty="0" smtClean="0"/>
+              <a:t>Motors</a:t>
+            </a:r>
+            <a:endParaRPr lang="en-US" dirty="0"/>
+          </a:p>
+          <a:p>
+            <a:pPr algn="ctr"/>
+            <a:endParaRPr lang="en-US" dirty="0"/>
+          </a:p>
+        </p:txBody>
+      </p:sp>
+      <p:sp>
+        <p:nvSpPr>
+          <p:cNvPr id="15" name="Right Arrow 14"/>
+          <p:cNvSpPr/>
+          <p:nvPr/>
+        </p:nvSpPr>
+        <p:spPr>
+          <a:xfrm rot="10800000">
+            <a:off x="8684529" y="5979811"/>
+            <a:ext cx="882553" cy="344608"/>
+          </a:xfrm>
+          <a:prstGeom prst="rightArrow">
+            <a:avLst/>
+          </a:prstGeom>
+        </p:spPr>
+        <p:style>
+          <a:lnRef idx="2">
+            <a:schemeClr val="accent1">
+              <a:shade val="50000"/>
+            </a:schemeClr>
+          </a:lnRef>
+          <a:fillRef idx="1">
+            <a:schemeClr val="accent1"/>
+          </a:fillRef>
+          <a:effectRef idx="0">
+            <a:schemeClr val="accent1"/>
+          </a:effectRef>
+          <a:fontRef idx="minor">
+            <a:schemeClr val="lt1"/>
+          </a:fontRef>
+        </p:style>
+        <p:txBody>
+          <a:bodyPr rtlCol="0" anchor="ctr"/>
+          <a:lstStyle/>
+          <a:p>
+            <a:pPr algn="ctr"/>
+            <a:endParaRPr lang="en-US"/>
+          </a:p>
+        </p:txBody>
+      </p:sp>
+      <p:sp>
+        <p:nvSpPr>
+          <p:cNvPr id="16" name="Right Arrow 15"/>
+          <p:cNvSpPr/>
+          <p:nvPr/>
+        </p:nvSpPr>
+        <p:spPr>
+          <a:xfrm flipH="1">
+            <a:off x="5124734" y="2410127"/>
+            <a:ext cx="846162" cy="590564"/>
+          </a:xfrm>
+          <a:prstGeom prst="rightArrow">
+            <a:avLst/>
+          </a:prstGeom>
+        </p:spPr>
+        <p:style>
+          <a:lnRef idx="2">
+            <a:schemeClr val="accent1">
+              <a:shade val="50000"/>
+            </a:schemeClr>
+          </a:lnRef>
+          <a:fillRef idx="1">
+            <a:schemeClr val="accent1"/>
+          </a:fillRef>
+          <a:effectRef idx="0">
+            <a:schemeClr val="accent1"/>
+          </a:effectRef>
+          <a:fontRef idx="minor">
+            <a:schemeClr val="lt1"/>
+          </a:fontRef>
+        </p:style>
+        <p:txBody>
+          <a:bodyPr rtlCol="0" anchor="ctr"/>
+          <a:lstStyle/>
+          <a:p>
+            <a:pPr algn="ctr"/>
+            <a:endParaRPr lang="en-US"/>
+          </a:p>
+        </p:txBody>
+      </p:sp>
+      <p:sp>
+        <p:nvSpPr>
+          <p:cNvPr id="17" name="Right Arrow 16"/>
+          <p:cNvSpPr/>
+          <p:nvPr/>
+        </p:nvSpPr>
+        <p:spPr>
+          <a:xfrm>
+            <a:off x="5111086" y="3263755"/>
+            <a:ext cx="999698" cy="590564"/>
+          </a:xfrm>
+          <a:prstGeom prst="rightArrow">
+            <a:avLst/>
+          </a:prstGeom>
+        </p:spPr>
+        <p:style>
+          <a:lnRef idx="2">
+            <a:schemeClr val="accent1">
+              <a:shade val="50000"/>
+            </a:schemeClr>
+          </a:lnRef>
+          <a:fillRef idx="1">
+            <a:schemeClr val="accent1"/>
+          </a:fillRef>
+          <a:effectRef idx="0">
+            <a:schemeClr val="accent1"/>
+          </a:effectRef>
+          <a:fontRef idx="minor">
+            <a:schemeClr val="lt1"/>
+          </a:fontRef>
+        </p:style>
+        <p:txBody>
+          <a:bodyPr rtlCol="0" anchor="ctr"/>
+          <a:lstStyle/>
+          <a:p>
+            <a:pPr algn="ctr"/>
+            <a:endParaRPr lang="en-US"/>
+          </a:p>
+        </p:txBody>
+      </p:sp>
+      <p:sp>
+        <p:nvSpPr>
+          <p:cNvPr id="18" name="TextBox 17"/>
+          <p:cNvSpPr txBox="1"/>
+          <p:nvPr/>
+        </p:nvSpPr>
+        <p:spPr>
+          <a:xfrm>
+            <a:off x="9724030" y="281128"/>
+            <a:ext cx="2006221" cy="923330"/>
+          </a:xfrm>
+          <a:prstGeom prst="rect">
+            <a:avLst/>
+          </a:prstGeom>
+          <a:solidFill>
+            <a:schemeClr val="accent1">
+              <a:lumMod val="60000"/>
+              <a:lumOff val="40000"/>
+            </a:schemeClr>
+          </a:solidFill>
+        </p:spPr>
+        <p:txBody>
+          <a:bodyPr wrap="square" rtlCol="0">
+            <a:spAutoFit/>
+          </a:bodyPr>
+          <a:lstStyle/>
+          <a:p>
+            <a:pPr algn="ctr"/>
+            <a:endParaRPr lang="en-US" dirty="0" smtClean="0"/>
+          </a:p>
+          <a:p>
+            <a:pPr algn="ctr"/>
+            <a:r>
+              <a:rPr lang="en-US" dirty="0" smtClean="0"/>
+              <a:t>Solar panel</a:t>
+            </a:r>
+            <a:endParaRPr lang="en-US" dirty="0"/>
+          </a:p>
+          <a:p>
+            <a:pPr algn="ctr"/>
+            <a:endParaRPr lang="en-US" dirty="0"/>
+          </a:p>
+        </p:txBody>
+      </p:sp>
+      <p:sp>
+        <p:nvSpPr>
+          <p:cNvPr id="19" name="TextBox 18"/>
+          <p:cNvSpPr txBox="1"/>
+          <p:nvPr/>
+        </p:nvSpPr>
+        <p:spPr>
+          <a:xfrm>
+            <a:off x="6574808" y="281128"/>
+            <a:ext cx="2006221" cy="923330"/>
+          </a:xfrm>
+          <a:prstGeom prst="rect">
+            <a:avLst/>
+          </a:prstGeom>
+          <a:solidFill>
+            <a:schemeClr val="accent1">
+              <a:lumMod val="60000"/>
+              <a:lumOff val="40000"/>
+            </a:schemeClr>
+          </a:solidFill>
+        </p:spPr>
+        <p:txBody>
+          <a:bodyPr wrap="square" rtlCol="0">
+            <a:spAutoFit/>
+          </a:bodyPr>
+          <a:lstStyle/>
+          <a:p>
+            <a:pPr algn="ctr"/>
+            <a:endParaRPr lang="en-US" dirty="0" smtClean="0"/>
+          </a:p>
+          <a:p>
+            <a:pPr algn="ctr"/>
+            <a:r>
+              <a:rPr lang="en-US" dirty="0" smtClean="0"/>
+              <a:t>Controller</a:t>
+            </a:r>
+            <a:endParaRPr lang="en-US" dirty="0"/>
+          </a:p>
+          <a:p>
+            <a:pPr algn="ctr"/>
+            <a:endParaRPr lang="en-US" dirty="0"/>
+          </a:p>
+        </p:txBody>
+      </p:sp>
+      <p:sp>
+        <p:nvSpPr>
+          <p:cNvPr id="20" name="Right Arrow 19"/>
+          <p:cNvSpPr/>
+          <p:nvPr/>
+        </p:nvSpPr>
+        <p:spPr>
+          <a:xfrm flipH="1">
+            <a:off x="5547815" y="447511"/>
+            <a:ext cx="846162" cy="590564"/>
+          </a:xfrm>
+          <a:prstGeom prst="rightArrow">
+            <a:avLst/>
+          </a:prstGeom>
+        </p:spPr>
+        <p:style>
+          <a:lnRef idx="2">
+            <a:schemeClr val="accent1">
+              <a:shade val="50000"/>
+            </a:schemeClr>
+          </a:lnRef>
+          <a:fillRef idx="1">
+            <a:schemeClr val="accent1"/>
+          </a:fillRef>
+          <a:effectRef idx="0">
+            <a:schemeClr val="accent1"/>
+          </a:effectRef>
+          <a:fontRef idx="minor">
+            <a:schemeClr val="lt1"/>
+          </a:fontRef>
+        </p:style>
+        <p:txBody>
+          <a:bodyPr rtlCol="0" anchor="ctr"/>
+          <a:lstStyle/>
+          <a:p>
+            <a:pPr algn="ctr"/>
+            <a:endParaRPr lang="en-US"/>
+          </a:p>
+        </p:txBody>
+      </p:sp>
+      <p:sp>
+        <p:nvSpPr>
+          <p:cNvPr id="21" name="Right Arrow 20"/>
+          <p:cNvSpPr/>
+          <p:nvPr/>
+        </p:nvSpPr>
+        <p:spPr>
+          <a:xfrm flipH="1">
+            <a:off x="8700445" y="447511"/>
+            <a:ext cx="846162" cy="590564"/>
+          </a:xfrm>
+          <a:prstGeom prst="rightArrow">
+            <a:avLst/>
+          </a:prstGeom>
+        </p:spPr>
+        <p:style>
+          <a:lnRef idx="2">
+            <a:schemeClr val="accent1">
+              <a:shade val="50000"/>
+            </a:schemeClr>
+          </a:lnRef>
+          <a:fillRef idx="1">
+            <a:schemeClr val="accent1"/>
+          </a:fillRef>
+          <a:effectRef idx="0">
+            <a:schemeClr val="accent1"/>
+          </a:effectRef>
+          <a:fontRef idx="minor">
+            <a:schemeClr val="lt1"/>
+          </a:fontRef>
+        </p:style>
+        <p:txBody>
+          <a:bodyPr rtlCol="0" anchor="ctr"/>
+          <a:lstStyle/>
+          <a:p>
+            <a:pPr algn="ctr"/>
+            <a:endParaRPr lang="en-US"/>
+          </a:p>
+        </p:txBody>
+      </p:sp>
+      <p:sp>
+        <p:nvSpPr>
+          <p:cNvPr id="22" name="TextBox 21"/>
+          <p:cNvSpPr txBox="1"/>
+          <p:nvPr/>
+        </p:nvSpPr>
+        <p:spPr>
+          <a:xfrm>
+            <a:off x="4167691" y="298420"/>
+            <a:ext cx="1260708" cy="923330"/>
+          </a:xfrm>
+          <a:prstGeom prst="rect">
+            <a:avLst/>
+          </a:prstGeom>
+          <a:solidFill>
+            <a:schemeClr val="accent1">
+              <a:lumMod val="60000"/>
+              <a:lumOff val="40000"/>
+            </a:schemeClr>
+          </a:solidFill>
+        </p:spPr>
+        <p:txBody>
+          <a:bodyPr wrap="square" rtlCol="0">
+            <a:spAutoFit/>
+          </a:bodyPr>
+          <a:lstStyle/>
+          <a:p>
+            <a:pPr algn="ctr"/>
+            <a:endParaRPr lang="en-US" dirty="0" smtClean="0"/>
+          </a:p>
+          <a:p>
+            <a:pPr algn="ctr"/>
+            <a:r>
+              <a:rPr lang="en-US" dirty="0" smtClean="0"/>
+              <a:t>Battery</a:t>
+            </a:r>
+            <a:endParaRPr lang="en-US" dirty="0"/>
+          </a:p>
+          <a:p>
+            <a:pPr algn="ctr"/>
+            <a:endParaRPr lang="en-US" dirty="0"/>
+          </a:p>
+        </p:txBody>
+      </p:sp>
+      <p:sp>
+        <p:nvSpPr>
+          <p:cNvPr id="23" name="Right Arrow 22"/>
+          <p:cNvSpPr/>
+          <p:nvPr/>
+        </p:nvSpPr>
+        <p:spPr>
+          <a:xfrm rot="16200000">
+            <a:off x="2062517" y="4968480"/>
+            <a:ext cx="999698" cy="590564"/>
+          </a:xfrm>
+          <a:prstGeom prst="rightArrow">
+            <a:avLst/>
+          </a:prstGeom>
+        </p:spPr>
+        <p:style>
+          <a:lnRef idx="2">
+            <a:schemeClr val="accent1">
+              <a:shade val="50000"/>
+            </a:schemeClr>
+          </a:lnRef>
+          <a:fillRef idx="1">
+            <a:schemeClr val="accent1"/>
+          </a:fillRef>
+          <a:effectRef idx="0">
+            <a:schemeClr val="accent1"/>
+          </a:effectRef>
+          <a:fontRef idx="minor">
+            <a:schemeClr val="lt1"/>
+          </a:fontRef>
+        </p:style>
+        <p:txBody>
+          <a:bodyPr rtlCol="0" anchor="ctr"/>
+          <a:lstStyle/>
+          <a:p>
+            <a:pPr algn="ctr"/>
+            <a:endParaRPr lang="en-US"/>
+          </a:p>
+        </p:txBody>
+      </p:sp>
+      <p:sp>
+        <p:nvSpPr>
+          <p:cNvPr id="24" name="TextBox 23"/>
+          <p:cNvSpPr txBox="1"/>
+          <p:nvPr/>
+        </p:nvSpPr>
+        <p:spPr>
+          <a:xfrm rot="20800338">
+            <a:off x="813751" y="4093991"/>
+            <a:ext cx="1774209" cy="369332"/>
+          </a:xfrm>
+          <a:prstGeom prst="rect">
+            <a:avLst/>
+          </a:prstGeom>
+          <a:noFill/>
+        </p:spPr>
+        <p:txBody>
+          <a:bodyPr wrap="square" rtlCol="0">
+            <a:spAutoFit/>
+          </a:bodyPr>
+          <a:lstStyle/>
+          <a:p>
+            <a:r>
+              <a:rPr lang="en-US" dirty="0" smtClean="0"/>
+              <a:t>Not sure</a:t>
+            </a:r>
+            <a:endParaRPr lang="en-US" dirty="0"/>
+          </a:p>
+        </p:txBody>
+      </p:sp>
+      <p:sp>
+        <p:nvSpPr>
+          <p:cNvPr id="2" name="TextBox 1"/>
+          <p:cNvSpPr txBox="1"/>
+          <p:nvPr/>
+        </p:nvSpPr>
+        <p:spPr>
+          <a:xfrm>
+            <a:off x="7931205" y="4039737"/>
+            <a:ext cx="649824" cy="369332"/>
+          </a:xfrm>
+          <a:prstGeom prst="rect">
+            <a:avLst/>
+          </a:prstGeom>
+          <a:noFill/>
+        </p:spPr>
+        <p:txBody>
+          <a:bodyPr wrap="square" rtlCol="0">
+            <a:spAutoFit/>
+          </a:bodyPr>
+          <a:lstStyle/>
+          <a:p>
+            <a:r>
+              <a:rPr lang="en-US" dirty="0" smtClean="0"/>
+              <a:t>10W</a:t>
+            </a:r>
+            <a:endParaRPr lang="en-US" dirty="0"/>
+          </a:p>
+        </p:txBody>
+      </p:sp>
+      <p:sp>
+        <p:nvSpPr>
+          <p:cNvPr id="25" name="TextBox 24"/>
+          <p:cNvSpPr txBox="1"/>
+          <p:nvPr/>
+        </p:nvSpPr>
+        <p:spPr>
+          <a:xfrm>
+            <a:off x="11097488" y="5983012"/>
+            <a:ext cx="649824" cy="369332"/>
+          </a:xfrm>
+          <a:prstGeom prst="rect">
+            <a:avLst/>
+          </a:prstGeom>
+          <a:noFill/>
+        </p:spPr>
+        <p:txBody>
+          <a:bodyPr wrap="square" rtlCol="0">
+            <a:spAutoFit/>
+          </a:bodyPr>
+          <a:lstStyle/>
+          <a:p>
+            <a:r>
+              <a:rPr lang="en-US" dirty="0" smtClean="0"/>
+              <a:t>10W</a:t>
+            </a:r>
+            <a:endParaRPr lang="en-US" dirty="0"/>
+          </a:p>
+        </p:txBody>
+      </p:sp>
+    </p:spTree>
+    <p:extLst>
+      <p:ext uri="{BB962C8B-B14F-4D97-AF65-F5344CB8AC3E}">
+        <p14:creationId xmlns:p14="http://schemas.microsoft.com/office/powerpoint/2010/main" val="1441391300"/>
       </p:ext>
     </p:extLst>
   </p:cSld>
